--- a/Exp2/instructions/Instructions UNM02.pptx
+++ b/Exp2/instructions/Instructions UNM02.pptx
@@ -172,6 +172,500 @@
 <file path=ppt/changesInfos/changesInfo1.xml><?xml version="1.0" encoding="utf-8"?>
 <pc:chgInfo xmlns:a="http://schemas.openxmlformats.org/drawingml/2006/main" xmlns:r="http://schemas.openxmlformats.org/officeDocument/2006/relationships" xmlns:ac="http://schemas.microsoft.com/office/drawing/2013/main/command" xmlns:pc="http://schemas.microsoft.com/office/powerpoint/2013/main/command">
   <pc:docChgLst>
+    <pc:chgData name="Beesley, Tom" userId="S::beesleyt@lancaster.ac.uk::ee42a82f-7ffb-4da4-9528-a704ef14c0a0" providerId="AD" clId="Web-{8CE1C6CA-D8CA-330E-3512-C3A2841035BA}"/>
+    <pc:docChg chg="addSld delSld modSld sldOrd modSection">
+      <pc:chgData name="Beesley, Tom" userId="S::beesleyt@lancaster.ac.uk::ee42a82f-7ffb-4da4-9528-a704ef14c0a0" providerId="AD" clId="Web-{8CE1C6CA-D8CA-330E-3512-C3A2841035BA}" dt="2023-07-25T11:49:30.642" v="744" actId="20577"/>
+      <pc:docMkLst>
+        <pc:docMk/>
+      </pc:docMkLst>
+      <pc:sldChg chg="addSp delSp modSp ord">
+        <pc:chgData name="Beesley, Tom" userId="S::beesleyt@lancaster.ac.uk::ee42a82f-7ffb-4da4-9528-a704ef14c0a0" providerId="AD" clId="Web-{8CE1C6CA-D8CA-330E-3512-C3A2841035BA}" dt="2023-07-25T09:40:45.051" v="456" actId="20577"/>
+        <pc:sldMkLst>
+          <pc:docMk/>
+          <pc:sldMk cId="0" sldId="292"/>
+        </pc:sldMkLst>
+        <pc:spChg chg="add del mod">
+          <ac:chgData name="Beesley, Tom" userId="S::beesleyt@lancaster.ac.uk::ee42a82f-7ffb-4da4-9528-a704ef14c0a0" providerId="AD" clId="Web-{8CE1C6CA-D8CA-330E-3512-C3A2841035BA}" dt="2023-07-25T09:40:06.907" v="438"/>
+          <ac:spMkLst>
+            <pc:docMk/>
+            <pc:sldMk cId="0" sldId="292"/>
+            <ac:spMk id="2" creationId="{33355359-4D92-013F-30EF-52C14D9F1708}"/>
+          </ac:spMkLst>
+        </pc:spChg>
+        <pc:spChg chg="mod">
+          <ac:chgData name="Beesley, Tom" userId="S::beesleyt@lancaster.ac.uk::ee42a82f-7ffb-4da4-9528-a704ef14c0a0" providerId="AD" clId="Web-{8CE1C6CA-D8CA-330E-3512-C3A2841035BA}" dt="2023-07-25T09:40:45.051" v="456" actId="20577"/>
+          <ac:spMkLst>
+            <pc:docMk/>
+            <pc:sldMk cId="0" sldId="292"/>
+            <ac:spMk id="5" creationId="{00000000-0000-0000-0000-000000000000}"/>
+          </ac:spMkLst>
+        </pc:spChg>
+      </pc:sldChg>
+      <pc:sldChg chg="modSp">
+        <pc:chgData name="Beesley, Tom" userId="S::beesleyt@lancaster.ac.uk::ee42a82f-7ffb-4da4-9528-a704ef14c0a0" providerId="AD" clId="Web-{8CE1C6CA-D8CA-330E-3512-C3A2841035BA}" dt="2023-07-25T11:49:30.642" v="744" actId="20577"/>
+        <pc:sldMkLst>
+          <pc:docMk/>
+          <pc:sldMk cId="2669918933" sldId="305"/>
+        </pc:sldMkLst>
+        <pc:spChg chg="mod">
+          <ac:chgData name="Beesley, Tom" userId="S::beesleyt@lancaster.ac.uk::ee42a82f-7ffb-4da4-9528-a704ef14c0a0" providerId="AD" clId="Web-{8CE1C6CA-D8CA-330E-3512-C3A2841035BA}" dt="2023-07-25T11:49:30.642" v="744" actId="20577"/>
+          <ac:spMkLst>
+            <pc:docMk/>
+            <pc:sldMk cId="2669918933" sldId="305"/>
+            <ac:spMk id="5" creationId="{00000000-0000-0000-0000-000000000000}"/>
+          </ac:spMkLst>
+        </pc:spChg>
+      </pc:sldChg>
+      <pc:sldChg chg="modSp">
+        <pc:chgData name="Beesley, Tom" userId="S::beesleyt@lancaster.ac.uk::ee42a82f-7ffb-4da4-9528-a704ef14c0a0" providerId="AD" clId="Web-{8CE1C6CA-D8CA-330E-3512-C3A2841035BA}" dt="2023-07-25T11:49:05.656" v="736" actId="20577"/>
+        <pc:sldMkLst>
+          <pc:docMk/>
+          <pc:sldMk cId="2217093505" sldId="312"/>
+        </pc:sldMkLst>
+        <pc:spChg chg="mod">
+          <ac:chgData name="Beesley, Tom" userId="S::beesleyt@lancaster.ac.uk::ee42a82f-7ffb-4da4-9528-a704ef14c0a0" providerId="AD" clId="Web-{8CE1C6CA-D8CA-330E-3512-C3A2841035BA}" dt="2023-07-25T11:49:05.656" v="736" actId="20577"/>
+          <ac:spMkLst>
+            <pc:docMk/>
+            <pc:sldMk cId="2217093505" sldId="312"/>
+            <ac:spMk id="5" creationId="{00000000-0000-0000-0000-000000000000}"/>
+          </ac:spMkLst>
+        </pc:spChg>
+      </pc:sldChg>
+      <pc:sldChg chg="modSp">
+        <pc:chgData name="Beesley, Tom" userId="S::beesleyt@lancaster.ac.uk::ee42a82f-7ffb-4da4-9528-a704ef14c0a0" providerId="AD" clId="Web-{8CE1C6CA-D8CA-330E-3512-C3A2841035BA}" dt="2023-07-25T11:49:26.266" v="742" actId="20577"/>
+        <pc:sldMkLst>
+          <pc:docMk/>
+          <pc:sldMk cId="3726311273" sldId="313"/>
+        </pc:sldMkLst>
+        <pc:spChg chg="mod">
+          <ac:chgData name="Beesley, Tom" userId="S::beesleyt@lancaster.ac.uk::ee42a82f-7ffb-4da4-9528-a704ef14c0a0" providerId="AD" clId="Web-{8CE1C6CA-D8CA-330E-3512-C3A2841035BA}" dt="2023-07-25T11:49:26.266" v="742" actId="20577"/>
+          <ac:spMkLst>
+            <pc:docMk/>
+            <pc:sldMk cId="3726311273" sldId="313"/>
+            <ac:spMk id="5" creationId="{00000000-0000-0000-0000-000000000000}"/>
+          </ac:spMkLst>
+        </pc:spChg>
+      </pc:sldChg>
+      <pc:sldChg chg="addSp delSp modSp new del">
+        <pc:chgData name="Beesley, Tom" userId="S::beesleyt@lancaster.ac.uk::ee42a82f-7ffb-4da4-9528-a704ef14c0a0" providerId="AD" clId="Web-{8CE1C6CA-D8CA-330E-3512-C3A2841035BA}" dt="2023-07-25T09:40:24.221" v="444"/>
+        <pc:sldMkLst>
+          <pc:docMk/>
+          <pc:sldMk cId="1472717231" sldId="314"/>
+        </pc:sldMkLst>
+        <pc:spChg chg="add del mod">
+          <ac:chgData name="Beesley, Tom" userId="S::beesleyt@lancaster.ac.uk::ee42a82f-7ffb-4da4-9528-a704ef14c0a0" providerId="AD" clId="Web-{8CE1C6CA-D8CA-330E-3512-C3A2841035BA}" dt="2023-07-25T09:40:10.626" v="442"/>
+          <ac:spMkLst>
+            <pc:docMk/>
+            <pc:sldMk cId="1472717231" sldId="314"/>
+            <ac:spMk id="4" creationId="{EFB8E9DD-63BF-C05C-30C2-106801D61CD5}"/>
+          </ac:spMkLst>
+        </pc:spChg>
+      </pc:sldChg>
+      <pc:sldChg chg="modSp add replId">
+        <pc:chgData name="Beesley, Tom" userId="S::beesleyt@lancaster.ac.uk::ee42a82f-7ffb-4da4-9528-a704ef14c0a0" providerId="AD" clId="Web-{8CE1C6CA-D8CA-330E-3512-C3A2841035BA}" dt="2023-07-25T09:40:36.988" v="453" actId="14100"/>
+        <pc:sldMkLst>
+          <pc:docMk/>
+          <pc:sldMk cId="3242463746" sldId="315"/>
+        </pc:sldMkLst>
+        <pc:spChg chg="mod">
+          <ac:chgData name="Beesley, Tom" userId="S::beesleyt@lancaster.ac.uk::ee42a82f-7ffb-4da4-9528-a704ef14c0a0" providerId="AD" clId="Web-{8CE1C6CA-D8CA-330E-3512-C3A2841035BA}" dt="2023-07-25T09:40:36.988" v="453" actId="14100"/>
+          <ac:spMkLst>
+            <pc:docMk/>
+            <pc:sldMk cId="3242463746" sldId="315"/>
+            <ac:spMk id="5" creationId="{00000000-0000-0000-0000-000000000000}"/>
+          </ac:spMkLst>
+        </pc:spChg>
+      </pc:sldChg>
+    </pc:docChg>
+  </pc:docChgLst>
+  <pc:docChgLst>
+    <pc:chgData name="Muniz-Diez, Clara" userId="1a81c6c9-8ef1-45fa-9045-8f70227f4ed9" providerId="ADAL" clId="{1ED6E396-86BE-4E0D-BA55-7826113B6882}"/>
+    <pc:docChg chg="undo custSel addSld delSld modSld sldOrd">
+      <pc:chgData name="Muniz-Diez, Clara" userId="1a81c6c9-8ef1-45fa-9045-8f70227f4ed9" providerId="ADAL" clId="{1ED6E396-86BE-4E0D-BA55-7826113B6882}" dt="2023-05-23T12:46:31.963" v="257" actId="14100"/>
+      <pc:docMkLst>
+        <pc:docMk/>
+      </pc:docMkLst>
+      <pc:sldChg chg="addSp delSp modSp mod">
+        <pc:chgData name="Muniz-Diez, Clara" userId="1a81c6c9-8ef1-45fa-9045-8f70227f4ed9" providerId="ADAL" clId="{1ED6E396-86BE-4E0D-BA55-7826113B6882}" dt="2023-05-22T08:21:38.895" v="117" actId="478"/>
+        <pc:sldMkLst>
+          <pc:docMk/>
+          <pc:sldMk cId="0" sldId="292"/>
+        </pc:sldMkLst>
+        <pc:spChg chg="add del mod">
+          <ac:chgData name="Muniz-Diez, Clara" userId="1a81c6c9-8ef1-45fa-9045-8f70227f4ed9" providerId="ADAL" clId="{1ED6E396-86BE-4E0D-BA55-7826113B6882}" dt="2023-05-22T08:21:38.895" v="117" actId="478"/>
+          <ac:spMkLst>
+            <pc:docMk/>
+            <pc:sldMk cId="0" sldId="292"/>
+            <ac:spMk id="5" creationId="{00000000-0000-0000-0000-000000000000}"/>
+          </ac:spMkLst>
+        </pc:spChg>
+      </pc:sldChg>
+      <pc:sldChg chg="addSp modSp mod ord setBg">
+        <pc:chgData name="Muniz-Diez, Clara" userId="1a81c6c9-8ef1-45fa-9045-8f70227f4ed9" providerId="ADAL" clId="{1ED6E396-86BE-4E0D-BA55-7826113B6882}" dt="2023-05-23T12:42:11.446" v="245" actId="14100"/>
+        <pc:sldMkLst>
+          <pc:docMk/>
+          <pc:sldMk cId="1439089530" sldId="296"/>
+        </pc:sldMkLst>
+        <pc:spChg chg="add mod">
+          <ac:chgData name="Muniz-Diez, Clara" userId="1a81c6c9-8ef1-45fa-9045-8f70227f4ed9" providerId="ADAL" clId="{1ED6E396-86BE-4E0D-BA55-7826113B6882}" dt="2023-05-22T10:56:47.890" v="206"/>
+          <ac:spMkLst>
+            <pc:docMk/>
+            <pc:sldMk cId="1439089530" sldId="296"/>
+            <ac:spMk id="2" creationId="{72118EB2-AABC-32E2-F9F4-F6B0C1682BF3}"/>
+          </ac:spMkLst>
+        </pc:spChg>
+        <pc:spChg chg="mod">
+          <ac:chgData name="Muniz-Diez, Clara" userId="1a81c6c9-8ef1-45fa-9045-8f70227f4ed9" providerId="ADAL" clId="{1ED6E396-86BE-4E0D-BA55-7826113B6882}" dt="2023-05-23T12:42:11.446" v="245" actId="14100"/>
+          <ac:spMkLst>
+            <pc:docMk/>
+            <pc:sldMk cId="1439089530" sldId="296"/>
+            <ac:spMk id="5" creationId="{00000000-0000-0000-0000-000000000000}"/>
+          </ac:spMkLst>
+        </pc:spChg>
+      </pc:sldChg>
+      <pc:sldChg chg="del">
+        <pc:chgData name="Muniz-Diez, Clara" userId="1a81c6c9-8ef1-45fa-9045-8f70227f4ed9" providerId="ADAL" clId="{1ED6E396-86BE-4E0D-BA55-7826113B6882}" dt="2023-05-22T07:32:16.180" v="53" actId="47"/>
+        <pc:sldMkLst>
+          <pc:docMk/>
+          <pc:sldMk cId="1686543087" sldId="301"/>
+        </pc:sldMkLst>
+      </pc:sldChg>
+      <pc:sldChg chg="modSp mod">
+        <pc:chgData name="Muniz-Diez, Clara" userId="1a81c6c9-8ef1-45fa-9045-8f70227f4ed9" providerId="ADAL" clId="{1ED6E396-86BE-4E0D-BA55-7826113B6882}" dt="2023-05-22T08:20:10.423" v="113" actId="20577"/>
+        <pc:sldMkLst>
+          <pc:docMk/>
+          <pc:sldMk cId="628964792" sldId="302"/>
+        </pc:sldMkLst>
+        <pc:spChg chg="mod">
+          <ac:chgData name="Muniz-Diez, Clara" userId="1a81c6c9-8ef1-45fa-9045-8f70227f4ed9" providerId="ADAL" clId="{1ED6E396-86BE-4E0D-BA55-7826113B6882}" dt="2023-05-22T08:20:10.423" v="113" actId="20577"/>
+          <ac:spMkLst>
+            <pc:docMk/>
+            <pc:sldMk cId="628964792" sldId="302"/>
+            <ac:spMk id="8" creationId="{E6E0ECEA-9D9A-10C0-1FCE-C84BE25D7980}"/>
+          </ac:spMkLst>
+        </pc:spChg>
+      </pc:sldChg>
+      <pc:sldChg chg="addSp delSp modSp add mod">
+        <pc:chgData name="Muniz-Diez, Clara" userId="1a81c6c9-8ef1-45fa-9045-8f70227f4ed9" providerId="ADAL" clId="{1ED6E396-86BE-4E0D-BA55-7826113B6882}" dt="2023-05-22T08:23:24.718" v="124"/>
+        <pc:sldMkLst>
+          <pc:docMk/>
+          <pc:sldMk cId="3644820798" sldId="303"/>
+        </pc:sldMkLst>
+        <pc:spChg chg="add mod">
+          <ac:chgData name="Muniz-Diez, Clara" userId="1a81c6c9-8ef1-45fa-9045-8f70227f4ed9" providerId="ADAL" clId="{1ED6E396-86BE-4E0D-BA55-7826113B6882}" dt="2023-05-22T08:23:24.718" v="124"/>
+          <ac:spMkLst>
+            <pc:docMk/>
+            <pc:sldMk cId="3644820798" sldId="303"/>
+            <ac:spMk id="2" creationId="{AD88E93D-E33B-DE79-C55E-5BF25DBA9360}"/>
+          </ac:spMkLst>
+        </pc:spChg>
+        <pc:spChg chg="del mod">
+          <ac:chgData name="Muniz-Diez, Clara" userId="1a81c6c9-8ef1-45fa-9045-8f70227f4ed9" providerId="ADAL" clId="{1ED6E396-86BE-4E0D-BA55-7826113B6882}" dt="2023-05-22T08:23:13.641" v="123" actId="21"/>
+          <ac:spMkLst>
+            <pc:docMk/>
+            <pc:sldMk cId="3644820798" sldId="303"/>
+            <ac:spMk id="5" creationId="{00000000-0000-0000-0000-000000000000}"/>
+          </ac:spMkLst>
+        </pc:spChg>
+      </pc:sldChg>
+      <pc:sldChg chg="modSp add mod">
+        <pc:chgData name="Muniz-Diez, Clara" userId="1a81c6c9-8ef1-45fa-9045-8f70227f4ed9" providerId="ADAL" clId="{1ED6E396-86BE-4E0D-BA55-7826113B6882}" dt="2023-05-22T08:24:24.413" v="125" actId="14100"/>
+        <pc:sldMkLst>
+          <pc:docMk/>
+          <pc:sldMk cId="1212959382" sldId="304"/>
+        </pc:sldMkLst>
+        <pc:spChg chg="mod">
+          <ac:chgData name="Muniz-Diez, Clara" userId="1a81c6c9-8ef1-45fa-9045-8f70227f4ed9" providerId="ADAL" clId="{1ED6E396-86BE-4E0D-BA55-7826113B6882}" dt="2023-05-22T08:24:24.413" v="125" actId="14100"/>
+          <ac:spMkLst>
+            <pc:docMk/>
+            <pc:sldMk cId="1212959382" sldId="304"/>
+            <ac:spMk id="5" creationId="{00000000-0000-0000-0000-000000000000}"/>
+          </ac:spMkLst>
+        </pc:spChg>
+      </pc:sldChg>
+      <pc:sldChg chg="modSp add mod">
+        <pc:chgData name="Muniz-Diez, Clara" userId="1a81c6c9-8ef1-45fa-9045-8f70227f4ed9" providerId="ADAL" clId="{1ED6E396-86BE-4E0D-BA55-7826113B6882}" dt="2023-05-22T08:24:59.793" v="126" actId="14100"/>
+        <pc:sldMkLst>
+          <pc:docMk/>
+          <pc:sldMk cId="2669918933" sldId="305"/>
+        </pc:sldMkLst>
+        <pc:spChg chg="mod">
+          <ac:chgData name="Muniz-Diez, Clara" userId="1a81c6c9-8ef1-45fa-9045-8f70227f4ed9" providerId="ADAL" clId="{1ED6E396-86BE-4E0D-BA55-7826113B6882}" dt="2023-05-22T08:24:59.793" v="126" actId="14100"/>
+          <ac:spMkLst>
+            <pc:docMk/>
+            <pc:sldMk cId="2669918933" sldId="305"/>
+            <ac:spMk id="5" creationId="{00000000-0000-0000-0000-000000000000}"/>
+          </ac:spMkLst>
+        </pc:spChg>
+      </pc:sldChg>
+      <pc:sldChg chg="modSp add mod">
+        <pc:chgData name="Muniz-Diez, Clara" userId="1a81c6c9-8ef1-45fa-9045-8f70227f4ed9" providerId="ADAL" clId="{1ED6E396-86BE-4E0D-BA55-7826113B6882}" dt="2023-05-22T10:28:50.969" v="164" actId="14100"/>
+        <pc:sldMkLst>
+          <pc:docMk/>
+          <pc:sldMk cId="166677748" sldId="306"/>
+        </pc:sldMkLst>
+        <pc:spChg chg="mod">
+          <ac:chgData name="Muniz-Diez, Clara" userId="1a81c6c9-8ef1-45fa-9045-8f70227f4ed9" providerId="ADAL" clId="{1ED6E396-86BE-4E0D-BA55-7826113B6882}" dt="2023-05-22T10:28:50.969" v="164" actId="14100"/>
+          <ac:spMkLst>
+            <pc:docMk/>
+            <pc:sldMk cId="166677748" sldId="306"/>
+            <ac:spMk id="5" creationId="{00000000-0000-0000-0000-000000000000}"/>
+          </ac:spMkLst>
+        </pc:spChg>
+      </pc:sldChg>
+      <pc:sldChg chg="add del ord">
+        <pc:chgData name="Muniz-Diez, Clara" userId="1a81c6c9-8ef1-45fa-9045-8f70227f4ed9" providerId="ADAL" clId="{1ED6E396-86BE-4E0D-BA55-7826113B6882}" dt="2023-05-22T10:22:54.587" v="130" actId="47"/>
+        <pc:sldMkLst>
+          <pc:docMk/>
+          <pc:sldMk cId="3617176634" sldId="306"/>
+        </pc:sldMkLst>
+      </pc:sldChg>
+      <pc:sldChg chg="modSp add mod">
+        <pc:chgData name="Muniz-Diez, Clara" userId="1a81c6c9-8ef1-45fa-9045-8f70227f4ed9" providerId="ADAL" clId="{1ED6E396-86BE-4E0D-BA55-7826113B6882}" dt="2023-05-22T10:28:56.027" v="165" actId="20577"/>
+        <pc:sldMkLst>
+          <pc:docMk/>
+          <pc:sldMk cId="3981952078" sldId="307"/>
+        </pc:sldMkLst>
+        <pc:spChg chg="mod">
+          <ac:chgData name="Muniz-Diez, Clara" userId="1a81c6c9-8ef1-45fa-9045-8f70227f4ed9" providerId="ADAL" clId="{1ED6E396-86BE-4E0D-BA55-7826113B6882}" dt="2023-05-22T10:28:56.027" v="165" actId="20577"/>
+          <ac:spMkLst>
+            <pc:docMk/>
+            <pc:sldMk cId="3981952078" sldId="307"/>
+            <ac:spMk id="5" creationId="{00000000-0000-0000-0000-000000000000}"/>
+          </ac:spMkLst>
+        </pc:spChg>
+      </pc:sldChg>
+      <pc:sldChg chg="modSp add mod">
+        <pc:chgData name="Muniz-Diez, Clara" userId="1a81c6c9-8ef1-45fa-9045-8f70227f4ed9" providerId="ADAL" clId="{1ED6E396-86BE-4E0D-BA55-7826113B6882}" dt="2023-05-22T10:30:37.119" v="178" actId="14100"/>
+        <pc:sldMkLst>
+          <pc:docMk/>
+          <pc:sldMk cId="2714683020" sldId="308"/>
+        </pc:sldMkLst>
+        <pc:spChg chg="mod">
+          <ac:chgData name="Muniz-Diez, Clara" userId="1a81c6c9-8ef1-45fa-9045-8f70227f4ed9" providerId="ADAL" clId="{1ED6E396-86BE-4E0D-BA55-7826113B6882}" dt="2023-05-22T10:30:37.119" v="178" actId="14100"/>
+          <ac:spMkLst>
+            <pc:docMk/>
+            <pc:sldMk cId="2714683020" sldId="308"/>
+            <ac:spMk id="5" creationId="{00000000-0000-0000-0000-000000000000}"/>
+          </ac:spMkLst>
+        </pc:spChg>
+      </pc:sldChg>
+      <pc:sldChg chg="modSp add mod">
+        <pc:chgData name="Muniz-Diez, Clara" userId="1a81c6c9-8ef1-45fa-9045-8f70227f4ed9" providerId="ADAL" clId="{1ED6E396-86BE-4E0D-BA55-7826113B6882}" dt="2023-05-22T10:38:18.432" v="202" actId="20577"/>
+        <pc:sldMkLst>
+          <pc:docMk/>
+          <pc:sldMk cId="311487248" sldId="309"/>
+        </pc:sldMkLst>
+        <pc:spChg chg="mod">
+          <ac:chgData name="Muniz-Diez, Clara" userId="1a81c6c9-8ef1-45fa-9045-8f70227f4ed9" providerId="ADAL" clId="{1ED6E396-86BE-4E0D-BA55-7826113B6882}" dt="2023-05-22T10:38:18.432" v="202" actId="20577"/>
+          <ac:spMkLst>
+            <pc:docMk/>
+            <pc:sldMk cId="311487248" sldId="309"/>
+            <ac:spMk id="5" creationId="{00000000-0000-0000-0000-000000000000}"/>
+          </ac:spMkLst>
+        </pc:spChg>
+      </pc:sldChg>
+      <pc:sldChg chg="modSp add mod">
+        <pc:chgData name="Muniz-Diez, Clara" userId="1a81c6c9-8ef1-45fa-9045-8f70227f4ed9" providerId="ADAL" clId="{1ED6E396-86BE-4E0D-BA55-7826113B6882}" dt="2023-05-23T12:42:57.231" v="247" actId="14100"/>
+        <pc:sldMkLst>
+          <pc:docMk/>
+          <pc:sldMk cId="372907557" sldId="310"/>
+        </pc:sldMkLst>
+        <pc:spChg chg="mod">
+          <ac:chgData name="Muniz-Diez, Clara" userId="1a81c6c9-8ef1-45fa-9045-8f70227f4ed9" providerId="ADAL" clId="{1ED6E396-86BE-4E0D-BA55-7826113B6882}" dt="2023-05-23T12:42:57.231" v="247" actId="14100"/>
+          <ac:spMkLst>
+            <pc:docMk/>
+            <pc:sldMk cId="372907557" sldId="310"/>
+            <ac:spMk id="5" creationId="{00000000-0000-0000-0000-000000000000}"/>
+          </ac:spMkLst>
+        </pc:spChg>
+      </pc:sldChg>
+      <pc:sldChg chg="addSp delSp modSp add mod">
+        <pc:chgData name="Muniz-Diez, Clara" userId="1a81c6c9-8ef1-45fa-9045-8f70227f4ed9" providerId="ADAL" clId="{1ED6E396-86BE-4E0D-BA55-7826113B6882}" dt="2023-05-23T12:46:31.963" v="257" actId="14100"/>
+        <pc:sldMkLst>
+          <pc:docMk/>
+          <pc:sldMk cId="1674996349" sldId="311"/>
+        </pc:sldMkLst>
+        <pc:spChg chg="add del mod">
+          <ac:chgData name="Muniz-Diez, Clara" userId="1a81c6c9-8ef1-45fa-9045-8f70227f4ed9" providerId="ADAL" clId="{1ED6E396-86BE-4E0D-BA55-7826113B6882}" dt="2023-05-23T12:45:19.687" v="250"/>
+          <ac:spMkLst>
+            <pc:docMk/>
+            <pc:sldMk cId="1674996349" sldId="311"/>
+            <ac:spMk id="2" creationId="{537038F0-C528-6C6B-611D-5DB4A5E86075}"/>
+          </ac:spMkLst>
+        </pc:spChg>
+        <pc:spChg chg="mod">
+          <ac:chgData name="Muniz-Diez, Clara" userId="1a81c6c9-8ef1-45fa-9045-8f70227f4ed9" providerId="ADAL" clId="{1ED6E396-86BE-4E0D-BA55-7826113B6882}" dt="2023-05-23T12:46:31.963" v="257" actId="14100"/>
+          <ac:spMkLst>
+            <pc:docMk/>
+            <pc:sldMk cId="1674996349" sldId="311"/>
+            <ac:spMk id="5" creationId="{00000000-0000-0000-0000-000000000000}"/>
+          </ac:spMkLst>
+        </pc:spChg>
+      </pc:sldChg>
+    </pc:docChg>
+  </pc:docChgLst>
+  <pc:docChgLst>
+    <pc:chgData name="Muniz-Diez, Clara" userId="1a81c6c9-8ef1-45fa-9045-8f70227f4ed9" providerId="ADAL" clId="{A29582EF-BFFF-484A-A71E-673947BB4534}"/>
+    <pc:docChg chg="undo custSel addSld delSld modSld sldOrd modSection">
+      <pc:chgData name="Muniz-Diez, Clara" userId="1a81c6c9-8ef1-45fa-9045-8f70227f4ed9" providerId="ADAL" clId="{A29582EF-BFFF-484A-A71E-673947BB4534}" dt="2023-07-27T14:04:38.483" v="1390" actId="21"/>
+      <pc:docMkLst>
+        <pc:docMk/>
+      </pc:docMkLst>
+      <pc:sldChg chg="modSp mod">
+        <pc:chgData name="Muniz-Diez, Clara" userId="1a81c6c9-8ef1-45fa-9045-8f70227f4ed9" providerId="ADAL" clId="{A29582EF-BFFF-484A-A71E-673947BB4534}" dt="2023-07-26T12:42:53.541" v="195" actId="20577"/>
+        <pc:sldMkLst>
+          <pc:docMk/>
+          <pc:sldMk cId="0" sldId="292"/>
+        </pc:sldMkLst>
+        <pc:spChg chg="mod">
+          <ac:chgData name="Muniz-Diez, Clara" userId="1a81c6c9-8ef1-45fa-9045-8f70227f4ed9" providerId="ADAL" clId="{A29582EF-BFFF-484A-A71E-673947BB4534}" dt="2023-07-26T12:42:53.541" v="195" actId="20577"/>
+          <ac:spMkLst>
+            <pc:docMk/>
+            <pc:sldMk cId="0" sldId="292"/>
+            <ac:spMk id="3" creationId="{DA0ACFEF-333F-9EA1-1E00-9EAF522F900E}"/>
+          </ac:spMkLst>
+        </pc:spChg>
+      </pc:sldChg>
+      <pc:sldChg chg="modSp mod">
+        <pc:chgData name="Muniz-Diez, Clara" userId="1a81c6c9-8ef1-45fa-9045-8f70227f4ed9" providerId="ADAL" clId="{A29582EF-BFFF-484A-A71E-673947BB4534}" dt="2023-07-26T12:53:48.778" v="666" actId="33524"/>
+        <pc:sldMkLst>
+          <pc:docMk/>
+          <pc:sldMk cId="2217093505" sldId="312"/>
+        </pc:sldMkLst>
+        <pc:spChg chg="mod">
+          <ac:chgData name="Muniz-Diez, Clara" userId="1a81c6c9-8ef1-45fa-9045-8f70227f4ed9" providerId="ADAL" clId="{A29582EF-BFFF-484A-A71E-673947BB4534}" dt="2023-07-26T12:53:48.778" v="666" actId="33524"/>
+          <ac:spMkLst>
+            <pc:docMk/>
+            <pc:sldMk cId="2217093505" sldId="312"/>
+            <ac:spMk id="2" creationId="{A0FBFD53-51E8-79D1-5BFF-88CE7C895A62}"/>
+          </ac:spMkLst>
+        </pc:spChg>
+      </pc:sldChg>
+      <pc:sldChg chg="new del">
+        <pc:chgData name="Muniz-Diez, Clara" userId="1a81c6c9-8ef1-45fa-9045-8f70227f4ed9" providerId="ADAL" clId="{A29582EF-BFFF-484A-A71E-673947BB4534}" dt="2023-07-26T12:31:53.724" v="11" actId="2696"/>
+        <pc:sldMkLst>
+          <pc:docMk/>
+          <pc:sldMk cId="319938810" sldId="318"/>
+        </pc:sldMkLst>
+      </pc:sldChg>
+      <pc:sldChg chg="modSp add mod">
+        <pc:chgData name="Muniz-Diez, Clara" userId="1a81c6c9-8ef1-45fa-9045-8f70227f4ed9" providerId="ADAL" clId="{A29582EF-BFFF-484A-A71E-673947BB4534}" dt="2023-07-27T12:54:08.497" v="1300" actId="6549"/>
+        <pc:sldMkLst>
+          <pc:docMk/>
+          <pc:sldMk cId="2958270731" sldId="319"/>
+        </pc:sldMkLst>
+        <pc:spChg chg="mod">
+          <ac:chgData name="Muniz-Diez, Clara" userId="1a81c6c9-8ef1-45fa-9045-8f70227f4ed9" providerId="ADAL" clId="{A29582EF-BFFF-484A-A71E-673947BB4534}" dt="2023-07-27T12:54:08.497" v="1300" actId="6549"/>
+          <ac:spMkLst>
+            <pc:docMk/>
+            <pc:sldMk cId="2958270731" sldId="319"/>
+            <ac:spMk id="2" creationId="{A0FBFD53-51E8-79D1-5BFF-88CE7C895A62}"/>
+          </ac:spMkLst>
+        </pc:spChg>
+      </pc:sldChg>
+      <pc:sldChg chg="modSp add mod ord setBg">
+        <pc:chgData name="Muniz-Diez, Clara" userId="1a81c6c9-8ef1-45fa-9045-8f70227f4ed9" providerId="ADAL" clId="{A29582EF-BFFF-484A-A71E-673947BB4534}" dt="2023-07-27T12:56:10.584" v="1311" actId="21"/>
+        <pc:sldMkLst>
+          <pc:docMk/>
+          <pc:sldMk cId="2823760325" sldId="320"/>
+        </pc:sldMkLst>
+        <pc:spChg chg="mod">
+          <ac:chgData name="Muniz-Diez, Clara" userId="1a81c6c9-8ef1-45fa-9045-8f70227f4ed9" providerId="ADAL" clId="{A29582EF-BFFF-484A-A71E-673947BB4534}" dt="2023-07-27T12:56:10.584" v="1311" actId="21"/>
+          <ac:spMkLst>
+            <pc:docMk/>
+            <pc:sldMk cId="2823760325" sldId="320"/>
+            <ac:spMk id="2" creationId="{A0FBFD53-51E8-79D1-5BFF-88CE7C895A62}"/>
+          </ac:spMkLst>
+        </pc:spChg>
+      </pc:sldChg>
+      <pc:sldChg chg="modSp add mod ord">
+        <pc:chgData name="Muniz-Diez, Clara" userId="1a81c6c9-8ef1-45fa-9045-8f70227f4ed9" providerId="ADAL" clId="{A29582EF-BFFF-484A-A71E-673947BB4534}" dt="2023-07-27T14:04:38.483" v="1390" actId="21"/>
+        <pc:sldMkLst>
+          <pc:docMk/>
+          <pc:sldMk cId="2183151105" sldId="321"/>
+        </pc:sldMkLst>
+        <pc:spChg chg="mod">
+          <ac:chgData name="Muniz-Diez, Clara" userId="1a81c6c9-8ef1-45fa-9045-8f70227f4ed9" providerId="ADAL" clId="{A29582EF-BFFF-484A-A71E-673947BB4534}" dt="2023-07-27T14:04:38.483" v="1390" actId="21"/>
+          <ac:spMkLst>
+            <pc:docMk/>
+            <pc:sldMk cId="2183151105" sldId="321"/>
+            <ac:spMk id="2" creationId="{A0FBFD53-51E8-79D1-5BFF-88CE7C895A62}"/>
+          </ac:spMkLst>
+        </pc:spChg>
+      </pc:sldChg>
+      <pc:sldChg chg="modSp add del mod">
+        <pc:chgData name="Muniz-Diez, Clara" userId="1a81c6c9-8ef1-45fa-9045-8f70227f4ed9" providerId="ADAL" clId="{A29582EF-BFFF-484A-A71E-673947BB4534}" dt="2023-07-27T13:25:52.287" v="1360" actId="2890"/>
+        <pc:sldMkLst>
+          <pc:docMk/>
+          <pc:sldMk cId="2290313830" sldId="322"/>
+        </pc:sldMkLst>
+        <pc:spChg chg="mod">
+          <ac:chgData name="Muniz-Diez, Clara" userId="1a81c6c9-8ef1-45fa-9045-8f70227f4ed9" providerId="ADAL" clId="{A29582EF-BFFF-484A-A71E-673947BB4534}" dt="2023-07-27T13:25:51.740" v="1359" actId="20577"/>
+          <ac:spMkLst>
+            <pc:docMk/>
+            <pc:sldMk cId="2290313830" sldId="322"/>
+            <ac:spMk id="2" creationId="{A0FBFD53-51E8-79D1-5BFF-88CE7C895A62}"/>
+          </ac:spMkLst>
+        </pc:spChg>
+      </pc:sldChg>
+      <pc:sldChg chg="modSp add del mod">
+        <pc:chgData name="Muniz-Diez, Clara" userId="1a81c6c9-8ef1-45fa-9045-8f70227f4ed9" providerId="ADAL" clId="{A29582EF-BFFF-484A-A71E-673947BB4534}" dt="2023-07-27T13:42:52.991" v="1386" actId="47"/>
+        <pc:sldMkLst>
+          <pc:docMk/>
+          <pc:sldMk cId="3967005114" sldId="322"/>
+        </pc:sldMkLst>
+        <pc:spChg chg="mod">
+          <ac:chgData name="Muniz-Diez, Clara" userId="1a81c6c9-8ef1-45fa-9045-8f70227f4ed9" providerId="ADAL" clId="{A29582EF-BFFF-484A-A71E-673947BB4534}" dt="2023-07-27T13:42:47.267" v="1385" actId="20577"/>
+          <ac:spMkLst>
+            <pc:docMk/>
+            <pc:sldMk cId="3967005114" sldId="322"/>
+            <ac:spMk id="2" creationId="{A0FBFD53-51E8-79D1-5BFF-88CE7C895A62}"/>
+          </ac:spMkLst>
+        </pc:spChg>
+      </pc:sldChg>
+    </pc:docChg>
+  </pc:docChgLst>
+  <pc:docChgLst>
+    <pc:chgData name="Muniz-Diez, Clara" userId="1a81c6c9-8ef1-45fa-9045-8f70227f4ed9" providerId="ADAL" clId="{2E970097-D68D-4ADB-91F5-0A193ED61D2F}"/>
+    <pc:docChg chg="modSld">
+      <pc:chgData name="Muniz-Diez, Clara" userId="1a81c6c9-8ef1-45fa-9045-8f70227f4ed9" providerId="ADAL" clId="{2E970097-D68D-4ADB-91F5-0A193ED61D2F}" dt="2023-11-30T10:30:58.767" v="11" actId="20577"/>
+      <pc:docMkLst>
+        <pc:docMk/>
+      </pc:docMkLst>
+      <pc:sldChg chg="modSp mod">
+        <pc:chgData name="Muniz-Diez, Clara" userId="1a81c6c9-8ef1-45fa-9045-8f70227f4ed9" providerId="ADAL" clId="{2E970097-D68D-4ADB-91F5-0A193ED61D2F}" dt="2023-11-30T10:30:46.865" v="9" actId="20577"/>
+        <pc:sldMkLst>
+          <pc:docMk/>
+          <pc:sldMk cId="166677748" sldId="306"/>
+        </pc:sldMkLst>
+        <pc:spChg chg="mod">
+          <ac:chgData name="Muniz-Diez, Clara" userId="1a81c6c9-8ef1-45fa-9045-8f70227f4ed9" providerId="ADAL" clId="{2E970097-D68D-4ADB-91F5-0A193ED61D2F}" dt="2023-11-30T10:30:46.865" v="9" actId="20577"/>
+          <ac:spMkLst>
+            <pc:docMk/>
+            <pc:sldMk cId="166677748" sldId="306"/>
+            <ac:spMk id="2" creationId="{FAB005FC-425F-5F94-296B-EAFB873477C2}"/>
+          </ac:spMkLst>
+        </pc:spChg>
+      </pc:sldChg>
+      <pc:sldChg chg="modSp mod">
+        <pc:chgData name="Muniz-Diez, Clara" userId="1a81c6c9-8ef1-45fa-9045-8f70227f4ed9" providerId="ADAL" clId="{2E970097-D68D-4ADB-91F5-0A193ED61D2F}" dt="2023-11-30T10:30:58.767" v="11" actId="20577"/>
+        <pc:sldMkLst>
+          <pc:docMk/>
+          <pc:sldMk cId="2217093505" sldId="312"/>
+        </pc:sldMkLst>
+        <pc:spChg chg="mod">
+          <ac:chgData name="Muniz-Diez, Clara" userId="1a81c6c9-8ef1-45fa-9045-8f70227f4ed9" providerId="ADAL" clId="{2E970097-D68D-4ADB-91F5-0A193ED61D2F}" dt="2023-11-30T10:30:58.767" v="11" actId="20577"/>
+          <ac:spMkLst>
+            <pc:docMk/>
+            <pc:sldMk cId="2217093505" sldId="312"/>
+            <ac:spMk id="2" creationId="{A0FBFD53-51E8-79D1-5BFF-88CE7C895A62}"/>
+          </ac:spMkLst>
+        </pc:spChg>
+      </pc:sldChg>
+    </pc:docChg>
+  </pc:docChgLst>
+  <pc:docChgLst>
     <pc:chgData name="Muniz-Diez, Clara" userId="1a81c6c9-8ef1-45fa-9045-8f70227f4ed9" providerId="ADAL" clId="{070AF3DB-E232-4857-A383-CD58F91F231D}"/>
     <pc:docChg chg="undo custSel delSld modSld modSection">
       <pc:chgData name="Muniz-Diez, Clara" userId="1a81c6c9-8ef1-45fa-9045-8f70227f4ed9" providerId="ADAL" clId="{070AF3DB-E232-4857-A383-CD58F91F231D}" dt="2023-09-12T13:10:55.902" v="233" actId="21"/>
@@ -266,6 +760,433 @@
           <pc:docMk/>
           <pc:sldMk cId="2183151105" sldId="321"/>
         </pc:sldMkLst>
+      </pc:sldChg>
+    </pc:docChg>
+  </pc:docChgLst>
+  <pc:docChgLst>
+    <pc:chgData name="Beesley, Tom" userId="ee42a82f-7ffb-4da4-9528-a704ef14c0a0" providerId="ADAL" clId="{6876711A-C0CB-41DA-952A-1D390C1949DD}"/>
+    <pc:docChg chg="undo custSel modSld">
+      <pc:chgData name="Beesley, Tom" userId="ee42a82f-7ffb-4da4-9528-a704ef14c0a0" providerId="ADAL" clId="{6876711A-C0CB-41DA-952A-1D390C1949DD}" dt="2023-06-02T10:24:26.495" v="855" actId="6549"/>
+      <pc:docMkLst>
+        <pc:docMk/>
+      </pc:docMkLst>
+      <pc:sldChg chg="modSp mod">
+        <pc:chgData name="Beesley, Tom" userId="ee42a82f-7ffb-4da4-9528-a704ef14c0a0" providerId="ADAL" clId="{6876711A-C0CB-41DA-952A-1D390C1949DD}" dt="2023-06-02T10:20:29.037" v="351" actId="6549"/>
+        <pc:sldMkLst>
+          <pc:docMk/>
+          <pc:sldMk cId="0" sldId="292"/>
+        </pc:sldMkLst>
+        <pc:spChg chg="mod">
+          <ac:chgData name="Beesley, Tom" userId="ee42a82f-7ffb-4da4-9528-a704ef14c0a0" providerId="ADAL" clId="{6876711A-C0CB-41DA-952A-1D390C1949DD}" dt="2023-06-02T10:20:29.037" v="351" actId="6549"/>
+          <ac:spMkLst>
+            <pc:docMk/>
+            <pc:sldMk cId="0" sldId="292"/>
+            <ac:spMk id="5" creationId="{00000000-0000-0000-0000-000000000000}"/>
+          </ac:spMkLst>
+        </pc:spChg>
+      </pc:sldChg>
+      <pc:sldChg chg="modSp mod">
+        <pc:chgData name="Beesley, Tom" userId="ee42a82f-7ffb-4da4-9528-a704ef14c0a0" providerId="ADAL" clId="{6876711A-C0CB-41DA-952A-1D390C1949DD}" dt="2023-06-02T10:16:49.929" v="23" actId="207"/>
+        <pc:sldMkLst>
+          <pc:docMk/>
+          <pc:sldMk cId="628964792" sldId="302"/>
+        </pc:sldMkLst>
+        <pc:spChg chg="mod">
+          <ac:chgData name="Beesley, Tom" userId="ee42a82f-7ffb-4da4-9528-a704ef14c0a0" providerId="ADAL" clId="{6876711A-C0CB-41DA-952A-1D390C1949DD}" dt="2023-06-02T10:16:49.929" v="23" actId="207"/>
+          <ac:spMkLst>
+            <pc:docMk/>
+            <pc:sldMk cId="628964792" sldId="302"/>
+            <ac:spMk id="8" creationId="{E6E0ECEA-9D9A-10C0-1FCE-C84BE25D7980}"/>
+          </ac:spMkLst>
+        </pc:spChg>
+      </pc:sldChg>
+      <pc:sldChg chg="modSp mod">
+        <pc:chgData name="Beesley, Tom" userId="ee42a82f-7ffb-4da4-9528-a704ef14c0a0" providerId="ADAL" clId="{6876711A-C0CB-41DA-952A-1D390C1949DD}" dt="2023-06-02T10:21:10.373" v="473" actId="20577"/>
+        <pc:sldMkLst>
+          <pc:docMk/>
+          <pc:sldMk cId="3644820798" sldId="303"/>
+        </pc:sldMkLst>
+        <pc:spChg chg="mod">
+          <ac:chgData name="Beesley, Tom" userId="ee42a82f-7ffb-4da4-9528-a704ef14c0a0" providerId="ADAL" clId="{6876711A-C0CB-41DA-952A-1D390C1949DD}" dt="2023-06-02T10:21:10.373" v="473" actId="20577"/>
+          <ac:spMkLst>
+            <pc:docMk/>
+            <pc:sldMk cId="3644820798" sldId="303"/>
+            <ac:spMk id="2" creationId="{AD88E93D-E33B-DE79-C55E-5BF25DBA9360}"/>
+          </ac:spMkLst>
+        </pc:spChg>
+      </pc:sldChg>
+      <pc:sldChg chg="modSp mod">
+        <pc:chgData name="Beesley, Tom" userId="ee42a82f-7ffb-4da4-9528-a704ef14c0a0" providerId="ADAL" clId="{6876711A-C0CB-41DA-952A-1D390C1949DD}" dt="2023-06-02T10:22:20.589" v="626" actId="20577"/>
+        <pc:sldMkLst>
+          <pc:docMk/>
+          <pc:sldMk cId="1212959382" sldId="304"/>
+        </pc:sldMkLst>
+        <pc:spChg chg="mod">
+          <ac:chgData name="Beesley, Tom" userId="ee42a82f-7ffb-4da4-9528-a704ef14c0a0" providerId="ADAL" clId="{6876711A-C0CB-41DA-952A-1D390C1949DD}" dt="2023-06-02T10:22:20.589" v="626" actId="20577"/>
+          <ac:spMkLst>
+            <pc:docMk/>
+            <pc:sldMk cId="1212959382" sldId="304"/>
+            <ac:spMk id="5" creationId="{00000000-0000-0000-0000-000000000000}"/>
+          </ac:spMkLst>
+        </pc:spChg>
+      </pc:sldChg>
+      <pc:sldChg chg="modSp mod">
+        <pc:chgData name="Beesley, Tom" userId="ee42a82f-7ffb-4da4-9528-a704ef14c0a0" providerId="ADAL" clId="{6876711A-C0CB-41DA-952A-1D390C1949DD}" dt="2023-06-02T10:24:26.495" v="855" actId="6549"/>
+        <pc:sldMkLst>
+          <pc:docMk/>
+          <pc:sldMk cId="2669918933" sldId="305"/>
+        </pc:sldMkLst>
+        <pc:spChg chg="mod">
+          <ac:chgData name="Beesley, Tom" userId="ee42a82f-7ffb-4da4-9528-a704ef14c0a0" providerId="ADAL" clId="{6876711A-C0CB-41DA-952A-1D390C1949DD}" dt="2023-06-02T10:24:26.495" v="855" actId="6549"/>
+          <ac:spMkLst>
+            <pc:docMk/>
+            <pc:sldMk cId="2669918933" sldId="305"/>
+            <ac:spMk id="5" creationId="{00000000-0000-0000-0000-000000000000}"/>
+          </ac:spMkLst>
+        </pc:spChg>
+      </pc:sldChg>
+      <pc:sldChg chg="modSp mod">
+        <pc:chgData name="Beesley, Tom" userId="ee42a82f-7ffb-4da4-9528-a704ef14c0a0" providerId="ADAL" clId="{6876711A-C0CB-41DA-952A-1D390C1949DD}" dt="2023-06-02T10:05:41.281" v="16" actId="207"/>
+        <pc:sldMkLst>
+          <pc:docMk/>
+          <pc:sldMk cId="166677748" sldId="306"/>
+        </pc:sldMkLst>
+        <pc:spChg chg="mod">
+          <ac:chgData name="Beesley, Tom" userId="ee42a82f-7ffb-4da4-9528-a704ef14c0a0" providerId="ADAL" clId="{6876711A-C0CB-41DA-952A-1D390C1949DD}" dt="2023-06-02T10:05:41.281" v="16" actId="207"/>
+          <ac:spMkLst>
+            <pc:docMk/>
+            <pc:sldMk cId="166677748" sldId="306"/>
+            <ac:spMk id="5" creationId="{00000000-0000-0000-0000-000000000000}"/>
+          </ac:spMkLst>
+        </pc:spChg>
+      </pc:sldChg>
+      <pc:sldChg chg="modSp mod">
+        <pc:chgData name="Beesley, Tom" userId="ee42a82f-7ffb-4da4-9528-a704ef14c0a0" providerId="ADAL" clId="{6876711A-C0CB-41DA-952A-1D390C1949DD}" dt="2023-06-02T10:06:10.135" v="18" actId="207"/>
+        <pc:sldMkLst>
+          <pc:docMk/>
+          <pc:sldMk cId="2714683020" sldId="308"/>
+        </pc:sldMkLst>
+        <pc:spChg chg="mod">
+          <ac:chgData name="Beesley, Tom" userId="ee42a82f-7ffb-4da4-9528-a704ef14c0a0" providerId="ADAL" clId="{6876711A-C0CB-41DA-952A-1D390C1949DD}" dt="2023-06-02T10:06:10.135" v="18" actId="207"/>
+          <ac:spMkLst>
+            <pc:docMk/>
+            <pc:sldMk cId="2714683020" sldId="308"/>
+            <ac:spMk id="5" creationId="{00000000-0000-0000-0000-000000000000}"/>
+          </ac:spMkLst>
+        </pc:spChg>
+      </pc:sldChg>
+      <pc:sldChg chg="modSp mod">
+        <pc:chgData name="Beesley, Tom" userId="ee42a82f-7ffb-4da4-9528-a704ef14c0a0" providerId="ADAL" clId="{6876711A-C0CB-41DA-952A-1D390C1949DD}" dt="2023-06-02T10:07:24.985" v="22" actId="33524"/>
+        <pc:sldMkLst>
+          <pc:docMk/>
+          <pc:sldMk cId="311487248" sldId="309"/>
+        </pc:sldMkLst>
+        <pc:spChg chg="mod">
+          <ac:chgData name="Beesley, Tom" userId="ee42a82f-7ffb-4da4-9528-a704ef14c0a0" providerId="ADAL" clId="{6876711A-C0CB-41DA-952A-1D390C1949DD}" dt="2023-06-02T10:07:24.985" v="22" actId="33524"/>
+          <ac:spMkLst>
+            <pc:docMk/>
+            <pc:sldMk cId="311487248" sldId="309"/>
+            <ac:spMk id="5" creationId="{00000000-0000-0000-0000-000000000000}"/>
+          </ac:spMkLst>
+        </pc:spChg>
+      </pc:sldChg>
+    </pc:docChg>
+  </pc:docChgLst>
+  <pc:docChgLst>
+    <pc:chgData name="Muniz-Diez, Clara" userId="1a81c6c9-8ef1-45fa-9045-8f70227f4ed9" providerId="ADAL" clId="{0DA2A45E-B43C-44E9-838F-6C7F87E0D060}"/>
+    <pc:docChg chg="modSld">
+      <pc:chgData name="Muniz-Diez, Clara" userId="1a81c6c9-8ef1-45fa-9045-8f70227f4ed9" providerId="ADAL" clId="{0DA2A45E-B43C-44E9-838F-6C7F87E0D060}" dt="2023-09-25T10:23:37.770" v="4" actId="20577"/>
+      <pc:docMkLst>
+        <pc:docMk/>
+      </pc:docMkLst>
+      <pc:sldChg chg="modSp mod">
+        <pc:chgData name="Muniz-Diez, Clara" userId="1a81c6c9-8ef1-45fa-9045-8f70227f4ed9" providerId="ADAL" clId="{0DA2A45E-B43C-44E9-838F-6C7F87E0D060}" dt="2023-09-25T10:23:37.770" v="4" actId="20577"/>
+        <pc:sldMkLst>
+          <pc:docMk/>
+          <pc:sldMk cId="166677748" sldId="306"/>
+        </pc:sldMkLst>
+        <pc:spChg chg="mod">
+          <ac:chgData name="Muniz-Diez, Clara" userId="1a81c6c9-8ef1-45fa-9045-8f70227f4ed9" providerId="ADAL" clId="{0DA2A45E-B43C-44E9-838F-6C7F87E0D060}" dt="2023-09-25T10:23:37.770" v="4" actId="20577"/>
+          <ac:spMkLst>
+            <pc:docMk/>
+            <pc:sldMk cId="166677748" sldId="306"/>
+            <ac:spMk id="2" creationId="{FAB005FC-425F-5F94-296B-EAFB873477C2}"/>
+          </ac:spMkLst>
+        </pc:spChg>
+      </pc:sldChg>
+    </pc:docChg>
+  </pc:docChgLst>
+  <pc:docChgLst>
+    <pc:chgData name="Muniz-Diez, Clara" userId="1a81c6c9-8ef1-45fa-9045-8f70227f4ed9" providerId="ADAL" clId="{7094DB20-C68C-4C92-80A9-158FDBE8F194}"/>
+    <pc:docChg chg="modSld sldOrd modSection">
+      <pc:chgData name="Muniz-Diez, Clara" userId="1a81c6c9-8ef1-45fa-9045-8f70227f4ed9" providerId="ADAL" clId="{7094DB20-C68C-4C92-80A9-158FDBE8F194}" dt="2023-07-28T11:23:54.497" v="14" actId="20577"/>
+      <pc:docMkLst>
+        <pc:docMk/>
+      </pc:docMkLst>
+      <pc:sldChg chg="setBg">
+        <pc:chgData name="Muniz-Diez, Clara" userId="1a81c6c9-8ef1-45fa-9045-8f70227f4ed9" providerId="ADAL" clId="{7094DB20-C68C-4C92-80A9-158FDBE8F194}" dt="2023-07-21T14:02:49.023" v="5"/>
+        <pc:sldMkLst>
+          <pc:docMk/>
+          <pc:sldMk cId="0" sldId="292"/>
+        </pc:sldMkLst>
+      </pc:sldChg>
+      <pc:sldChg chg="setBg">
+        <pc:chgData name="Muniz-Diez, Clara" userId="1a81c6c9-8ef1-45fa-9045-8f70227f4ed9" providerId="ADAL" clId="{7094DB20-C68C-4C92-80A9-158FDBE8F194}" dt="2023-07-21T14:02:49.023" v="5"/>
+        <pc:sldMkLst>
+          <pc:docMk/>
+          <pc:sldMk cId="1439089530" sldId="296"/>
+        </pc:sldMkLst>
+      </pc:sldChg>
+      <pc:sldChg chg="setBg">
+        <pc:chgData name="Muniz-Diez, Clara" userId="1a81c6c9-8ef1-45fa-9045-8f70227f4ed9" providerId="ADAL" clId="{7094DB20-C68C-4C92-80A9-158FDBE8F194}" dt="2023-07-21T14:02:49.023" v="5"/>
+        <pc:sldMkLst>
+          <pc:docMk/>
+          <pc:sldMk cId="628964792" sldId="302"/>
+        </pc:sldMkLst>
+      </pc:sldChg>
+      <pc:sldChg chg="setBg">
+        <pc:chgData name="Muniz-Diez, Clara" userId="1a81c6c9-8ef1-45fa-9045-8f70227f4ed9" providerId="ADAL" clId="{7094DB20-C68C-4C92-80A9-158FDBE8F194}" dt="2023-07-21T14:02:49.023" v="5"/>
+        <pc:sldMkLst>
+          <pc:docMk/>
+          <pc:sldMk cId="2669918933" sldId="305"/>
+        </pc:sldMkLst>
+      </pc:sldChg>
+      <pc:sldChg chg="modSp mod ord setBg">
+        <pc:chgData name="Muniz-Diez, Clara" userId="1a81c6c9-8ef1-45fa-9045-8f70227f4ed9" providerId="ADAL" clId="{7094DB20-C68C-4C92-80A9-158FDBE8F194}" dt="2023-07-28T11:21:56.043" v="8" actId="207"/>
+        <pc:sldMkLst>
+          <pc:docMk/>
+          <pc:sldMk cId="166677748" sldId="306"/>
+        </pc:sldMkLst>
+        <pc:spChg chg="mod">
+          <ac:chgData name="Muniz-Diez, Clara" userId="1a81c6c9-8ef1-45fa-9045-8f70227f4ed9" providerId="ADAL" clId="{7094DB20-C68C-4C92-80A9-158FDBE8F194}" dt="2023-07-28T11:21:56.043" v="8" actId="207"/>
+          <ac:spMkLst>
+            <pc:docMk/>
+            <pc:sldMk cId="166677748" sldId="306"/>
+            <ac:spMk id="2" creationId="{FAB005FC-425F-5F94-296B-EAFB873477C2}"/>
+          </ac:spMkLst>
+        </pc:spChg>
+      </pc:sldChg>
+      <pc:sldChg chg="modSp mod ord setBg">
+        <pc:chgData name="Muniz-Diez, Clara" userId="1a81c6c9-8ef1-45fa-9045-8f70227f4ed9" providerId="ADAL" clId="{7094DB20-C68C-4C92-80A9-158FDBE8F194}" dt="2023-07-21T14:02:49.023" v="5"/>
+        <pc:sldMkLst>
+          <pc:docMk/>
+          <pc:sldMk cId="2714683020" sldId="308"/>
+        </pc:sldMkLst>
+        <pc:spChg chg="mod">
+          <ac:chgData name="Muniz-Diez, Clara" userId="1a81c6c9-8ef1-45fa-9045-8f70227f4ed9" providerId="ADAL" clId="{7094DB20-C68C-4C92-80A9-158FDBE8F194}" dt="2023-07-21T14:02:06.250" v="1" actId="20577"/>
+          <ac:spMkLst>
+            <pc:docMk/>
+            <pc:sldMk cId="2714683020" sldId="308"/>
+            <ac:spMk id="5" creationId="{00000000-0000-0000-0000-000000000000}"/>
+          </ac:spMkLst>
+        </pc:spChg>
+      </pc:sldChg>
+      <pc:sldChg chg="ord setBg">
+        <pc:chgData name="Muniz-Diez, Clara" userId="1a81c6c9-8ef1-45fa-9045-8f70227f4ed9" providerId="ADAL" clId="{7094DB20-C68C-4C92-80A9-158FDBE8F194}" dt="2023-07-21T14:02:49.023" v="5"/>
+        <pc:sldMkLst>
+          <pc:docMk/>
+          <pc:sldMk cId="311487248" sldId="309"/>
+        </pc:sldMkLst>
+      </pc:sldChg>
+      <pc:sldChg chg="setBg">
+        <pc:chgData name="Muniz-Diez, Clara" userId="1a81c6c9-8ef1-45fa-9045-8f70227f4ed9" providerId="ADAL" clId="{7094DB20-C68C-4C92-80A9-158FDBE8F194}" dt="2023-07-21T14:02:49.023" v="5"/>
+        <pc:sldMkLst>
+          <pc:docMk/>
+          <pc:sldMk cId="372907557" sldId="310"/>
+        </pc:sldMkLst>
+      </pc:sldChg>
+      <pc:sldChg chg="setBg">
+        <pc:chgData name="Muniz-Diez, Clara" userId="1a81c6c9-8ef1-45fa-9045-8f70227f4ed9" providerId="ADAL" clId="{7094DB20-C68C-4C92-80A9-158FDBE8F194}" dt="2023-07-21T14:02:49.023" v="5"/>
+        <pc:sldMkLst>
+          <pc:docMk/>
+          <pc:sldMk cId="1674996349" sldId="311"/>
+        </pc:sldMkLst>
+      </pc:sldChg>
+      <pc:sldChg chg="modSp mod">
+        <pc:chgData name="Muniz-Diez, Clara" userId="1a81c6c9-8ef1-45fa-9045-8f70227f4ed9" providerId="ADAL" clId="{7094DB20-C68C-4C92-80A9-158FDBE8F194}" dt="2023-07-28T11:23:39.558" v="12" actId="20577"/>
+        <pc:sldMkLst>
+          <pc:docMk/>
+          <pc:sldMk cId="2217093505" sldId="312"/>
+        </pc:sldMkLst>
+        <pc:spChg chg="mod">
+          <ac:chgData name="Muniz-Diez, Clara" userId="1a81c6c9-8ef1-45fa-9045-8f70227f4ed9" providerId="ADAL" clId="{7094DB20-C68C-4C92-80A9-158FDBE8F194}" dt="2023-07-28T11:23:39.558" v="12" actId="20577"/>
+          <ac:spMkLst>
+            <pc:docMk/>
+            <pc:sldMk cId="2217093505" sldId="312"/>
+            <ac:spMk id="2" creationId="{A0FBFD53-51E8-79D1-5BFF-88CE7C895A62}"/>
+          </ac:spMkLst>
+        </pc:spChg>
+      </pc:sldChg>
+      <pc:sldChg chg="modSp mod">
+        <pc:chgData name="Muniz-Diez, Clara" userId="1a81c6c9-8ef1-45fa-9045-8f70227f4ed9" providerId="ADAL" clId="{7094DB20-C68C-4C92-80A9-158FDBE8F194}" dt="2023-07-28T11:23:54.497" v="14" actId="20577"/>
+        <pc:sldMkLst>
+          <pc:docMk/>
+          <pc:sldMk cId="3971898477" sldId="317"/>
+        </pc:sldMkLst>
+        <pc:spChg chg="mod">
+          <ac:chgData name="Muniz-Diez, Clara" userId="1a81c6c9-8ef1-45fa-9045-8f70227f4ed9" providerId="ADAL" clId="{7094DB20-C68C-4C92-80A9-158FDBE8F194}" dt="2023-07-28T11:23:54.497" v="14" actId="20577"/>
+          <ac:spMkLst>
+            <pc:docMk/>
+            <pc:sldMk cId="3971898477" sldId="317"/>
+            <ac:spMk id="2" creationId="{BCB380B4-3C9F-1D6D-0C36-510ADE8383D7}"/>
+          </ac:spMkLst>
+        </pc:spChg>
+      </pc:sldChg>
+    </pc:docChg>
+  </pc:docChgLst>
+  <pc:docChgLst>
+    <pc:chgData name="Muniz-Diez, Clara" userId="1a81c6c9-8ef1-45fa-9045-8f70227f4ed9" providerId="ADAL" clId="{4FC96EDA-96C8-405F-9165-F8E38B4F981A}"/>
+    <pc:docChg chg="undo custSel delSld modSld sldOrd addSection modSection">
+      <pc:chgData name="Muniz-Diez, Clara" userId="1a81c6c9-8ef1-45fa-9045-8f70227f4ed9" providerId="ADAL" clId="{4FC96EDA-96C8-405F-9165-F8E38B4F981A}" dt="2023-06-01T08:58:37.395" v="484" actId="47"/>
+      <pc:docMkLst>
+        <pc:docMk/>
+      </pc:docMkLst>
+      <pc:sldChg chg="del">
+        <pc:chgData name="Muniz-Diez, Clara" userId="1a81c6c9-8ef1-45fa-9045-8f70227f4ed9" providerId="ADAL" clId="{4FC96EDA-96C8-405F-9165-F8E38B4F981A}" dt="2023-06-01T08:58:37.395" v="484" actId="47"/>
+        <pc:sldMkLst>
+          <pc:docMk/>
+          <pc:sldMk cId="0" sldId="280"/>
+        </pc:sldMkLst>
+      </pc:sldChg>
+      <pc:sldChg chg="del">
+        <pc:chgData name="Muniz-Diez, Clara" userId="1a81c6c9-8ef1-45fa-9045-8f70227f4ed9" providerId="ADAL" clId="{4FC96EDA-96C8-405F-9165-F8E38B4F981A}" dt="2023-06-01T08:58:35.872" v="483" actId="47"/>
+        <pc:sldMkLst>
+          <pc:docMk/>
+          <pc:sldMk cId="0" sldId="282"/>
+        </pc:sldMkLst>
+      </pc:sldChg>
+      <pc:sldChg chg="del">
+        <pc:chgData name="Muniz-Diez, Clara" userId="1a81c6c9-8ef1-45fa-9045-8f70227f4ed9" providerId="ADAL" clId="{4FC96EDA-96C8-405F-9165-F8E38B4F981A}" dt="2023-06-01T08:58:34.966" v="482" actId="47"/>
+        <pc:sldMkLst>
+          <pc:docMk/>
+          <pc:sldMk cId="1891066312" sldId="294"/>
+        </pc:sldMkLst>
+      </pc:sldChg>
+      <pc:sldChg chg="modSp mod">
+        <pc:chgData name="Muniz-Diez, Clara" userId="1a81c6c9-8ef1-45fa-9045-8f70227f4ed9" providerId="ADAL" clId="{4FC96EDA-96C8-405F-9165-F8E38B4F981A}" dt="2023-06-01T08:55:53.248" v="477" actId="20577"/>
+        <pc:sldMkLst>
+          <pc:docMk/>
+          <pc:sldMk cId="1439089530" sldId="296"/>
+        </pc:sldMkLst>
+        <pc:spChg chg="mod">
+          <ac:chgData name="Muniz-Diez, Clara" userId="1a81c6c9-8ef1-45fa-9045-8f70227f4ed9" providerId="ADAL" clId="{4FC96EDA-96C8-405F-9165-F8E38B4F981A}" dt="2023-06-01T08:55:53.248" v="477" actId="20577"/>
+          <ac:spMkLst>
+            <pc:docMk/>
+            <pc:sldMk cId="1439089530" sldId="296"/>
+            <ac:spMk id="5" creationId="{00000000-0000-0000-0000-000000000000}"/>
+          </ac:spMkLst>
+        </pc:spChg>
+      </pc:sldChg>
+      <pc:sldChg chg="del">
+        <pc:chgData name="Muniz-Diez, Clara" userId="1a81c6c9-8ef1-45fa-9045-8f70227f4ed9" providerId="ADAL" clId="{4FC96EDA-96C8-405F-9165-F8E38B4F981A}" dt="2023-06-01T08:58:32.394" v="480" actId="47"/>
+        <pc:sldMkLst>
+          <pc:docMk/>
+          <pc:sldMk cId="4970144" sldId="298"/>
+        </pc:sldMkLst>
+      </pc:sldChg>
+      <pc:sldChg chg="del">
+        <pc:chgData name="Muniz-Diez, Clara" userId="1a81c6c9-8ef1-45fa-9045-8f70227f4ed9" providerId="ADAL" clId="{4FC96EDA-96C8-405F-9165-F8E38B4F981A}" dt="2023-06-01T08:58:33.554" v="481" actId="47"/>
+        <pc:sldMkLst>
+          <pc:docMk/>
+          <pc:sldMk cId="1323664499" sldId="299"/>
+        </pc:sldMkLst>
+      </pc:sldChg>
+      <pc:sldChg chg="del">
+        <pc:chgData name="Muniz-Diez, Clara" userId="1a81c6c9-8ef1-45fa-9045-8f70227f4ed9" providerId="ADAL" clId="{4FC96EDA-96C8-405F-9165-F8E38B4F981A}" dt="2023-06-01T08:58:30.873" v="479" actId="47"/>
+        <pc:sldMkLst>
+          <pc:docMk/>
+          <pc:sldMk cId="893441816" sldId="300"/>
+        </pc:sldMkLst>
+      </pc:sldChg>
+      <pc:sldChg chg="modSp mod">
+        <pc:chgData name="Muniz-Diez, Clara" userId="1a81c6c9-8ef1-45fa-9045-8f70227f4ed9" providerId="ADAL" clId="{4FC96EDA-96C8-405F-9165-F8E38B4F981A}" dt="2023-06-01T08:52:26.159" v="125" actId="20577"/>
+        <pc:sldMkLst>
+          <pc:docMk/>
+          <pc:sldMk cId="2669918933" sldId="305"/>
+        </pc:sldMkLst>
+        <pc:spChg chg="mod">
+          <ac:chgData name="Muniz-Diez, Clara" userId="1a81c6c9-8ef1-45fa-9045-8f70227f4ed9" providerId="ADAL" clId="{4FC96EDA-96C8-405F-9165-F8E38B4F981A}" dt="2023-06-01T08:52:26.159" v="125" actId="20577"/>
+          <ac:spMkLst>
+            <pc:docMk/>
+            <pc:sldMk cId="2669918933" sldId="305"/>
+            <ac:spMk id="5" creationId="{00000000-0000-0000-0000-000000000000}"/>
+          </ac:spMkLst>
+        </pc:spChg>
+      </pc:sldChg>
+      <pc:sldChg chg="modSp mod ord">
+        <pc:chgData name="Muniz-Diez, Clara" userId="1a81c6c9-8ef1-45fa-9045-8f70227f4ed9" providerId="ADAL" clId="{4FC96EDA-96C8-405F-9165-F8E38B4F981A}" dt="2023-06-01T08:42:48.852" v="114" actId="6549"/>
+        <pc:sldMkLst>
+          <pc:docMk/>
+          <pc:sldMk cId="166677748" sldId="306"/>
+        </pc:sldMkLst>
+        <pc:spChg chg="mod">
+          <ac:chgData name="Muniz-Diez, Clara" userId="1a81c6c9-8ef1-45fa-9045-8f70227f4ed9" providerId="ADAL" clId="{4FC96EDA-96C8-405F-9165-F8E38B4F981A}" dt="2023-06-01T08:42:48.852" v="114" actId="6549"/>
+          <ac:spMkLst>
+            <pc:docMk/>
+            <pc:sldMk cId="166677748" sldId="306"/>
+            <ac:spMk id="5" creationId="{00000000-0000-0000-0000-000000000000}"/>
+          </ac:spMkLst>
+        </pc:spChg>
+      </pc:sldChg>
+      <pc:sldChg chg="modSp del mod ord">
+        <pc:chgData name="Muniz-Diez, Clara" userId="1a81c6c9-8ef1-45fa-9045-8f70227f4ed9" providerId="ADAL" clId="{4FC96EDA-96C8-405F-9165-F8E38B4F981A}" dt="2023-06-01T08:42:55.620" v="115" actId="47"/>
+        <pc:sldMkLst>
+          <pc:docMk/>
+          <pc:sldMk cId="3981952078" sldId="307"/>
+        </pc:sldMkLst>
+        <pc:spChg chg="mod">
+          <ac:chgData name="Muniz-Diez, Clara" userId="1a81c6c9-8ef1-45fa-9045-8f70227f4ed9" providerId="ADAL" clId="{4FC96EDA-96C8-405F-9165-F8E38B4F981A}" dt="2023-06-01T08:40:51.052" v="53" actId="20577"/>
+          <ac:spMkLst>
+            <pc:docMk/>
+            <pc:sldMk cId="3981952078" sldId="307"/>
+            <ac:spMk id="5" creationId="{00000000-0000-0000-0000-000000000000}"/>
+          </ac:spMkLst>
+        </pc:spChg>
+      </pc:sldChg>
+      <pc:sldChg chg="modSp mod ord">
+        <pc:chgData name="Muniz-Diez, Clara" userId="1a81c6c9-8ef1-45fa-9045-8f70227f4ed9" providerId="ADAL" clId="{4FC96EDA-96C8-405F-9165-F8E38B4F981A}" dt="2023-06-01T08:41:25.766" v="68" actId="20577"/>
+        <pc:sldMkLst>
+          <pc:docMk/>
+          <pc:sldMk cId="2714683020" sldId="308"/>
+        </pc:sldMkLst>
+        <pc:spChg chg="mod">
+          <ac:chgData name="Muniz-Diez, Clara" userId="1a81c6c9-8ef1-45fa-9045-8f70227f4ed9" providerId="ADAL" clId="{4FC96EDA-96C8-405F-9165-F8E38B4F981A}" dt="2023-06-01T08:41:25.766" v="68" actId="20577"/>
+          <ac:spMkLst>
+            <pc:docMk/>
+            <pc:sldMk cId="2714683020" sldId="308"/>
+            <ac:spMk id="5" creationId="{00000000-0000-0000-0000-000000000000}"/>
+          </ac:spMkLst>
+        </pc:spChg>
+      </pc:sldChg>
+      <pc:sldChg chg="modSp mod ord">
+        <pc:chgData name="Muniz-Diez, Clara" userId="1a81c6c9-8ef1-45fa-9045-8f70227f4ed9" providerId="ADAL" clId="{4FC96EDA-96C8-405F-9165-F8E38B4F981A}" dt="2023-06-01T08:42:04.710" v="104" actId="20577"/>
+        <pc:sldMkLst>
+          <pc:docMk/>
+          <pc:sldMk cId="311487248" sldId="309"/>
+        </pc:sldMkLst>
+        <pc:spChg chg="mod">
+          <ac:chgData name="Muniz-Diez, Clara" userId="1a81c6c9-8ef1-45fa-9045-8f70227f4ed9" providerId="ADAL" clId="{4FC96EDA-96C8-405F-9165-F8E38B4F981A}" dt="2023-06-01T08:42:04.710" v="104" actId="20577"/>
+          <ac:spMkLst>
+            <pc:docMk/>
+            <pc:sldMk cId="311487248" sldId="309"/>
+            <ac:spMk id="5" creationId="{00000000-0000-0000-0000-000000000000}"/>
+          </ac:spMkLst>
+        </pc:spChg>
+      </pc:sldChg>
+      <pc:sldChg chg="modSp mod">
+        <pc:chgData name="Muniz-Diez, Clara" userId="1a81c6c9-8ef1-45fa-9045-8f70227f4ed9" providerId="ADAL" clId="{4FC96EDA-96C8-405F-9165-F8E38B4F981A}" dt="2023-06-01T08:56:20.928" v="478" actId="20577"/>
+        <pc:sldMkLst>
+          <pc:docMk/>
+          <pc:sldMk cId="372907557" sldId="310"/>
+        </pc:sldMkLst>
+        <pc:spChg chg="mod">
+          <ac:chgData name="Muniz-Diez, Clara" userId="1a81c6c9-8ef1-45fa-9045-8f70227f4ed9" providerId="ADAL" clId="{4FC96EDA-96C8-405F-9165-F8E38B4F981A}" dt="2023-06-01T08:56:20.928" v="478" actId="20577"/>
+          <ac:spMkLst>
+            <pc:docMk/>
+            <pc:sldMk cId="372907557" sldId="310"/>
+            <ac:spMk id="5" creationId="{00000000-0000-0000-0000-000000000000}"/>
+          </ac:spMkLst>
+        </pc:spChg>
       </pc:sldChg>
     </pc:docChg>
   </pc:docChgLst>
@@ -572,888 +1493,6 @@
       </pc:sldChg>
     </pc:docChg>
   </pc:docChgLst>
-  <pc:docChgLst>
-    <pc:chgData name="Muniz-Diez, Clara" userId="1a81c6c9-8ef1-45fa-9045-8f70227f4ed9" providerId="ADAL" clId="{A29582EF-BFFF-484A-A71E-673947BB4534}"/>
-    <pc:docChg chg="undo custSel addSld delSld modSld sldOrd modSection">
-      <pc:chgData name="Muniz-Diez, Clara" userId="1a81c6c9-8ef1-45fa-9045-8f70227f4ed9" providerId="ADAL" clId="{A29582EF-BFFF-484A-A71E-673947BB4534}" dt="2023-07-27T14:04:38.483" v="1390" actId="21"/>
-      <pc:docMkLst>
-        <pc:docMk/>
-      </pc:docMkLst>
-      <pc:sldChg chg="modSp mod">
-        <pc:chgData name="Muniz-Diez, Clara" userId="1a81c6c9-8ef1-45fa-9045-8f70227f4ed9" providerId="ADAL" clId="{A29582EF-BFFF-484A-A71E-673947BB4534}" dt="2023-07-26T12:42:53.541" v="195" actId="20577"/>
-        <pc:sldMkLst>
-          <pc:docMk/>
-          <pc:sldMk cId="0" sldId="292"/>
-        </pc:sldMkLst>
-        <pc:spChg chg="mod">
-          <ac:chgData name="Muniz-Diez, Clara" userId="1a81c6c9-8ef1-45fa-9045-8f70227f4ed9" providerId="ADAL" clId="{A29582EF-BFFF-484A-A71E-673947BB4534}" dt="2023-07-26T12:42:53.541" v="195" actId="20577"/>
-          <ac:spMkLst>
-            <pc:docMk/>
-            <pc:sldMk cId="0" sldId="292"/>
-            <ac:spMk id="3" creationId="{DA0ACFEF-333F-9EA1-1E00-9EAF522F900E}"/>
-          </ac:spMkLst>
-        </pc:spChg>
-      </pc:sldChg>
-      <pc:sldChg chg="modSp mod">
-        <pc:chgData name="Muniz-Diez, Clara" userId="1a81c6c9-8ef1-45fa-9045-8f70227f4ed9" providerId="ADAL" clId="{A29582EF-BFFF-484A-A71E-673947BB4534}" dt="2023-07-26T12:53:48.778" v="666" actId="33524"/>
-        <pc:sldMkLst>
-          <pc:docMk/>
-          <pc:sldMk cId="2217093505" sldId="312"/>
-        </pc:sldMkLst>
-        <pc:spChg chg="mod">
-          <ac:chgData name="Muniz-Diez, Clara" userId="1a81c6c9-8ef1-45fa-9045-8f70227f4ed9" providerId="ADAL" clId="{A29582EF-BFFF-484A-A71E-673947BB4534}" dt="2023-07-26T12:53:48.778" v="666" actId="33524"/>
-          <ac:spMkLst>
-            <pc:docMk/>
-            <pc:sldMk cId="2217093505" sldId="312"/>
-            <ac:spMk id="2" creationId="{A0FBFD53-51E8-79D1-5BFF-88CE7C895A62}"/>
-          </ac:spMkLst>
-        </pc:spChg>
-      </pc:sldChg>
-      <pc:sldChg chg="new del">
-        <pc:chgData name="Muniz-Diez, Clara" userId="1a81c6c9-8ef1-45fa-9045-8f70227f4ed9" providerId="ADAL" clId="{A29582EF-BFFF-484A-A71E-673947BB4534}" dt="2023-07-26T12:31:53.724" v="11" actId="2696"/>
-        <pc:sldMkLst>
-          <pc:docMk/>
-          <pc:sldMk cId="319938810" sldId="318"/>
-        </pc:sldMkLst>
-      </pc:sldChg>
-      <pc:sldChg chg="modSp add mod">
-        <pc:chgData name="Muniz-Diez, Clara" userId="1a81c6c9-8ef1-45fa-9045-8f70227f4ed9" providerId="ADAL" clId="{A29582EF-BFFF-484A-A71E-673947BB4534}" dt="2023-07-27T12:54:08.497" v="1300" actId="6549"/>
-        <pc:sldMkLst>
-          <pc:docMk/>
-          <pc:sldMk cId="2958270731" sldId="319"/>
-        </pc:sldMkLst>
-        <pc:spChg chg="mod">
-          <ac:chgData name="Muniz-Diez, Clara" userId="1a81c6c9-8ef1-45fa-9045-8f70227f4ed9" providerId="ADAL" clId="{A29582EF-BFFF-484A-A71E-673947BB4534}" dt="2023-07-27T12:54:08.497" v="1300" actId="6549"/>
-          <ac:spMkLst>
-            <pc:docMk/>
-            <pc:sldMk cId="2958270731" sldId="319"/>
-            <ac:spMk id="2" creationId="{A0FBFD53-51E8-79D1-5BFF-88CE7C895A62}"/>
-          </ac:spMkLst>
-        </pc:spChg>
-      </pc:sldChg>
-      <pc:sldChg chg="modSp add mod ord setBg">
-        <pc:chgData name="Muniz-Diez, Clara" userId="1a81c6c9-8ef1-45fa-9045-8f70227f4ed9" providerId="ADAL" clId="{A29582EF-BFFF-484A-A71E-673947BB4534}" dt="2023-07-27T12:56:10.584" v="1311" actId="21"/>
-        <pc:sldMkLst>
-          <pc:docMk/>
-          <pc:sldMk cId="2823760325" sldId="320"/>
-        </pc:sldMkLst>
-        <pc:spChg chg="mod">
-          <ac:chgData name="Muniz-Diez, Clara" userId="1a81c6c9-8ef1-45fa-9045-8f70227f4ed9" providerId="ADAL" clId="{A29582EF-BFFF-484A-A71E-673947BB4534}" dt="2023-07-27T12:56:10.584" v="1311" actId="21"/>
-          <ac:spMkLst>
-            <pc:docMk/>
-            <pc:sldMk cId="2823760325" sldId="320"/>
-            <ac:spMk id="2" creationId="{A0FBFD53-51E8-79D1-5BFF-88CE7C895A62}"/>
-          </ac:spMkLst>
-        </pc:spChg>
-      </pc:sldChg>
-      <pc:sldChg chg="modSp add mod ord">
-        <pc:chgData name="Muniz-Diez, Clara" userId="1a81c6c9-8ef1-45fa-9045-8f70227f4ed9" providerId="ADAL" clId="{A29582EF-BFFF-484A-A71E-673947BB4534}" dt="2023-07-27T14:04:38.483" v="1390" actId="21"/>
-        <pc:sldMkLst>
-          <pc:docMk/>
-          <pc:sldMk cId="2183151105" sldId="321"/>
-        </pc:sldMkLst>
-        <pc:spChg chg="mod">
-          <ac:chgData name="Muniz-Diez, Clara" userId="1a81c6c9-8ef1-45fa-9045-8f70227f4ed9" providerId="ADAL" clId="{A29582EF-BFFF-484A-A71E-673947BB4534}" dt="2023-07-27T14:04:38.483" v="1390" actId="21"/>
-          <ac:spMkLst>
-            <pc:docMk/>
-            <pc:sldMk cId="2183151105" sldId="321"/>
-            <ac:spMk id="2" creationId="{A0FBFD53-51E8-79D1-5BFF-88CE7C895A62}"/>
-          </ac:spMkLst>
-        </pc:spChg>
-      </pc:sldChg>
-      <pc:sldChg chg="modSp add del mod">
-        <pc:chgData name="Muniz-Diez, Clara" userId="1a81c6c9-8ef1-45fa-9045-8f70227f4ed9" providerId="ADAL" clId="{A29582EF-BFFF-484A-A71E-673947BB4534}" dt="2023-07-27T13:25:52.287" v="1360" actId="2890"/>
-        <pc:sldMkLst>
-          <pc:docMk/>
-          <pc:sldMk cId="2290313830" sldId="322"/>
-        </pc:sldMkLst>
-        <pc:spChg chg="mod">
-          <ac:chgData name="Muniz-Diez, Clara" userId="1a81c6c9-8ef1-45fa-9045-8f70227f4ed9" providerId="ADAL" clId="{A29582EF-BFFF-484A-A71E-673947BB4534}" dt="2023-07-27T13:25:51.740" v="1359" actId="20577"/>
-          <ac:spMkLst>
-            <pc:docMk/>
-            <pc:sldMk cId="2290313830" sldId="322"/>
-            <ac:spMk id="2" creationId="{A0FBFD53-51E8-79D1-5BFF-88CE7C895A62}"/>
-          </ac:spMkLst>
-        </pc:spChg>
-      </pc:sldChg>
-      <pc:sldChg chg="modSp add del mod">
-        <pc:chgData name="Muniz-Diez, Clara" userId="1a81c6c9-8ef1-45fa-9045-8f70227f4ed9" providerId="ADAL" clId="{A29582EF-BFFF-484A-A71E-673947BB4534}" dt="2023-07-27T13:42:52.991" v="1386" actId="47"/>
-        <pc:sldMkLst>
-          <pc:docMk/>
-          <pc:sldMk cId="3967005114" sldId="322"/>
-        </pc:sldMkLst>
-        <pc:spChg chg="mod">
-          <ac:chgData name="Muniz-Diez, Clara" userId="1a81c6c9-8ef1-45fa-9045-8f70227f4ed9" providerId="ADAL" clId="{A29582EF-BFFF-484A-A71E-673947BB4534}" dt="2023-07-27T13:42:47.267" v="1385" actId="20577"/>
-          <ac:spMkLst>
-            <pc:docMk/>
-            <pc:sldMk cId="3967005114" sldId="322"/>
-            <ac:spMk id="2" creationId="{A0FBFD53-51E8-79D1-5BFF-88CE7C895A62}"/>
-          </ac:spMkLst>
-        </pc:spChg>
-      </pc:sldChg>
-    </pc:docChg>
-  </pc:docChgLst>
-  <pc:docChgLst>
-    <pc:chgData name="Beesley, Tom" userId="ee42a82f-7ffb-4da4-9528-a704ef14c0a0" providerId="ADAL" clId="{6876711A-C0CB-41DA-952A-1D390C1949DD}"/>
-    <pc:docChg chg="undo custSel modSld">
-      <pc:chgData name="Beesley, Tom" userId="ee42a82f-7ffb-4da4-9528-a704ef14c0a0" providerId="ADAL" clId="{6876711A-C0CB-41DA-952A-1D390C1949DD}" dt="2023-06-02T10:24:26.495" v="855" actId="6549"/>
-      <pc:docMkLst>
-        <pc:docMk/>
-      </pc:docMkLst>
-      <pc:sldChg chg="modSp mod">
-        <pc:chgData name="Beesley, Tom" userId="ee42a82f-7ffb-4da4-9528-a704ef14c0a0" providerId="ADAL" clId="{6876711A-C0CB-41DA-952A-1D390C1949DD}" dt="2023-06-02T10:20:29.037" v="351" actId="6549"/>
-        <pc:sldMkLst>
-          <pc:docMk/>
-          <pc:sldMk cId="0" sldId="292"/>
-        </pc:sldMkLst>
-        <pc:spChg chg="mod">
-          <ac:chgData name="Beesley, Tom" userId="ee42a82f-7ffb-4da4-9528-a704ef14c0a0" providerId="ADAL" clId="{6876711A-C0CB-41DA-952A-1D390C1949DD}" dt="2023-06-02T10:20:29.037" v="351" actId="6549"/>
-          <ac:spMkLst>
-            <pc:docMk/>
-            <pc:sldMk cId="0" sldId="292"/>
-            <ac:spMk id="5" creationId="{00000000-0000-0000-0000-000000000000}"/>
-          </ac:spMkLst>
-        </pc:spChg>
-      </pc:sldChg>
-      <pc:sldChg chg="modSp mod">
-        <pc:chgData name="Beesley, Tom" userId="ee42a82f-7ffb-4da4-9528-a704ef14c0a0" providerId="ADAL" clId="{6876711A-C0CB-41DA-952A-1D390C1949DD}" dt="2023-06-02T10:16:49.929" v="23" actId="207"/>
-        <pc:sldMkLst>
-          <pc:docMk/>
-          <pc:sldMk cId="628964792" sldId="302"/>
-        </pc:sldMkLst>
-        <pc:spChg chg="mod">
-          <ac:chgData name="Beesley, Tom" userId="ee42a82f-7ffb-4da4-9528-a704ef14c0a0" providerId="ADAL" clId="{6876711A-C0CB-41DA-952A-1D390C1949DD}" dt="2023-06-02T10:16:49.929" v="23" actId="207"/>
-          <ac:spMkLst>
-            <pc:docMk/>
-            <pc:sldMk cId="628964792" sldId="302"/>
-            <ac:spMk id="8" creationId="{E6E0ECEA-9D9A-10C0-1FCE-C84BE25D7980}"/>
-          </ac:spMkLst>
-        </pc:spChg>
-      </pc:sldChg>
-      <pc:sldChg chg="modSp mod">
-        <pc:chgData name="Beesley, Tom" userId="ee42a82f-7ffb-4da4-9528-a704ef14c0a0" providerId="ADAL" clId="{6876711A-C0CB-41DA-952A-1D390C1949DD}" dt="2023-06-02T10:21:10.373" v="473" actId="20577"/>
-        <pc:sldMkLst>
-          <pc:docMk/>
-          <pc:sldMk cId="3644820798" sldId="303"/>
-        </pc:sldMkLst>
-        <pc:spChg chg="mod">
-          <ac:chgData name="Beesley, Tom" userId="ee42a82f-7ffb-4da4-9528-a704ef14c0a0" providerId="ADAL" clId="{6876711A-C0CB-41DA-952A-1D390C1949DD}" dt="2023-06-02T10:21:10.373" v="473" actId="20577"/>
-          <ac:spMkLst>
-            <pc:docMk/>
-            <pc:sldMk cId="3644820798" sldId="303"/>
-            <ac:spMk id="2" creationId="{AD88E93D-E33B-DE79-C55E-5BF25DBA9360}"/>
-          </ac:spMkLst>
-        </pc:spChg>
-      </pc:sldChg>
-      <pc:sldChg chg="modSp mod">
-        <pc:chgData name="Beesley, Tom" userId="ee42a82f-7ffb-4da4-9528-a704ef14c0a0" providerId="ADAL" clId="{6876711A-C0CB-41DA-952A-1D390C1949DD}" dt="2023-06-02T10:22:20.589" v="626" actId="20577"/>
-        <pc:sldMkLst>
-          <pc:docMk/>
-          <pc:sldMk cId="1212959382" sldId="304"/>
-        </pc:sldMkLst>
-        <pc:spChg chg="mod">
-          <ac:chgData name="Beesley, Tom" userId="ee42a82f-7ffb-4da4-9528-a704ef14c0a0" providerId="ADAL" clId="{6876711A-C0CB-41DA-952A-1D390C1949DD}" dt="2023-06-02T10:22:20.589" v="626" actId="20577"/>
-          <ac:spMkLst>
-            <pc:docMk/>
-            <pc:sldMk cId="1212959382" sldId="304"/>
-            <ac:spMk id="5" creationId="{00000000-0000-0000-0000-000000000000}"/>
-          </ac:spMkLst>
-        </pc:spChg>
-      </pc:sldChg>
-      <pc:sldChg chg="modSp mod">
-        <pc:chgData name="Beesley, Tom" userId="ee42a82f-7ffb-4da4-9528-a704ef14c0a0" providerId="ADAL" clId="{6876711A-C0CB-41DA-952A-1D390C1949DD}" dt="2023-06-02T10:24:26.495" v="855" actId="6549"/>
-        <pc:sldMkLst>
-          <pc:docMk/>
-          <pc:sldMk cId="2669918933" sldId="305"/>
-        </pc:sldMkLst>
-        <pc:spChg chg="mod">
-          <ac:chgData name="Beesley, Tom" userId="ee42a82f-7ffb-4da4-9528-a704ef14c0a0" providerId="ADAL" clId="{6876711A-C0CB-41DA-952A-1D390C1949DD}" dt="2023-06-02T10:24:26.495" v="855" actId="6549"/>
-          <ac:spMkLst>
-            <pc:docMk/>
-            <pc:sldMk cId="2669918933" sldId="305"/>
-            <ac:spMk id="5" creationId="{00000000-0000-0000-0000-000000000000}"/>
-          </ac:spMkLst>
-        </pc:spChg>
-      </pc:sldChg>
-      <pc:sldChg chg="modSp mod">
-        <pc:chgData name="Beesley, Tom" userId="ee42a82f-7ffb-4da4-9528-a704ef14c0a0" providerId="ADAL" clId="{6876711A-C0CB-41DA-952A-1D390C1949DD}" dt="2023-06-02T10:05:41.281" v="16" actId="207"/>
-        <pc:sldMkLst>
-          <pc:docMk/>
-          <pc:sldMk cId="166677748" sldId="306"/>
-        </pc:sldMkLst>
-        <pc:spChg chg="mod">
-          <ac:chgData name="Beesley, Tom" userId="ee42a82f-7ffb-4da4-9528-a704ef14c0a0" providerId="ADAL" clId="{6876711A-C0CB-41DA-952A-1D390C1949DD}" dt="2023-06-02T10:05:41.281" v="16" actId="207"/>
-          <ac:spMkLst>
-            <pc:docMk/>
-            <pc:sldMk cId="166677748" sldId="306"/>
-            <ac:spMk id="5" creationId="{00000000-0000-0000-0000-000000000000}"/>
-          </ac:spMkLst>
-        </pc:spChg>
-      </pc:sldChg>
-      <pc:sldChg chg="modSp mod">
-        <pc:chgData name="Beesley, Tom" userId="ee42a82f-7ffb-4da4-9528-a704ef14c0a0" providerId="ADAL" clId="{6876711A-C0CB-41DA-952A-1D390C1949DD}" dt="2023-06-02T10:06:10.135" v="18" actId="207"/>
-        <pc:sldMkLst>
-          <pc:docMk/>
-          <pc:sldMk cId="2714683020" sldId="308"/>
-        </pc:sldMkLst>
-        <pc:spChg chg="mod">
-          <ac:chgData name="Beesley, Tom" userId="ee42a82f-7ffb-4da4-9528-a704ef14c0a0" providerId="ADAL" clId="{6876711A-C0CB-41DA-952A-1D390C1949DD}" dt="2023-06-02T10:06:10.135" v="18" actId="207"/>
-          <ac:spMkLst>
-            <pc:docMk/>
-            <pc:sldMk cId="2714683020" sldId="308"/>
-            <ac:spMk id="5" creationId="{00000000-0000-0000-0000-000000000000}"/>
-          </ac:spMkLst>
-        </pc:spChg>
-      </pc:sldChg>
-      <pc:sldChg chg="modSp mod">
-        <pc:chgData name="Beesley, Tom" userId="ee42a82f-7ffb-4da4-9528-a704ef14c0a0" providerId="ADAL" clId="{6876711A-C0CB-41DA-952A-1D390C1949DD}" dt="2023-06-02T10:07:24.985" v="22" actId="33524"/>
-        <pc:sldMkLst>
-          <pc:docMk/>
-          <pc:sldMk cId="311487248" sldId="309"/>
-        </pc:sldMkLst>
-        <pc:spChg chg="mod">
-          <ac:chgData name="Beesley, Tom" userId="ee42a82f-7ffb-4da4-9528-a704ef14c0a0" providerId="ADAL" clId="{6876711A-C0CB-41DA-952A-1D390C1949DD}" dt="2023-06-02T10:07:24.985" v="22" actId="33524"/>
-          <ac:spMkLst>
-            <pc:docMk/>
-            <pc:sldMk cId="311487248" sldId="309"/>
-            <ac:spMk id="5" creationId="{00000000-0000-0000-0000-000000000000}"/>
-          </ac:spMkLst>
-        </pc:spChg>
-      </pc:sldChg>
-    </pc:docChg>
-  </pc:docChgLst>
-  <pc:docChgLst>
-    <pc:chgData name="Muniz-Diez, Clara" userId="1a81c6c9-8ef1-45fa-9045-8f70227f4ed9" providerId="ADAL" clId="{0DA2A45E-B43C-44E9-838F-6C7F87E0D060}"/>
-    <pc:docChg chg="modSld">
-      <pc:chgData name="Muniz-Diez, Clara" userId="1a81c6c9-8ef1-45fa-9045-8f70227f4ed9" providerId="ADAL" clId="{0DA2A45E-B43C-44E9-838F-6C7F87E0D060}" dt="2023-09-25T10:23:37.770" v="4" actId="20577"/>
-      <pc:docMkLst>
-        <pc:docMk/>
-      </pc:docMkLst>
-      <pc:sldChg chg="modSp mod">
-        <pc:chgData name="Muniz-Diez, Clara" userId="1a81c6c9-8ef1-45fa-9045-8f70227f4ed9" providerId="ADAL" clId="{0DA2A45E-B43C-44E9-838F-6C7F87E0D060}" dt="2023-09-25T10:23:37.770" v="4" actId="20577"/>
-        <pc:sldMkLst>
-          <pc:docMk/>
-          <pc:sldMk cId="166677748" sldId="306"/>
-        </pc:sldMkLst>
-        <pc:spChg chg="mod">
-          <ac:chgData name="Muniz-Diez, Clara" userId="1a81c6c9-8ef1-45fa-9045-8f70227f4ed9" providerId="ADAL" clId="{0DA2A45E-B43C-44E9-838F-6C7F87E0D060}" dt="2023-09-25T10:23:37.770" v="4" actId="20577"/>
-          <ac:spMkLst>
-            <pc:docMk/>
-            <pc:sldMk cId="166677748" sldId="306"/>
-            <ac:spMk id="2" creationId="{FAB005FC-425F-5F94-296B-EAFB873477C2}"/>
-          </ac:spMkLst>
-        </pc:spChg>
-      </pc:sldChg>
-    </pc:docChg>
-  </pc:docChgLst>
-  <pc:docChgLst>
-    <pc:chgData name="Beesley, Tom" userId="S::beesleyt@lancaster.ac.uk::ee42a82f-7ffb-4da4-9528-a704ef14c0a0" providerId="AD" clId="Web-{8CE1C6CA-D8CA-330E-3512-C3A2841035BA}"/>
-    <pc:docChg chg="addSld delSld modSld sldOrd modSection">
-      <pc:chgData name="Beesley, Tom" userId="S::beesleyt@lancaster.ac.uk::ee42a82f-7ffb-4da4-9528-a704ef14c0a0" providerId="AD" clId="Web-{8CE1C6CA-D8CA-330E-3512-C3A2841035BA}" dt="2023-07-25T11:49:30.642" v="744" actId="20577"/>
-      <pc:docMkLst>
-        <pc:docMk/>
-      </pc:docMkLst>
-      <pc:sldChg chg="addSp delSp modSp ord">
-        <pc:chgData name="Beesley, Tom" userId="S::beesleyt@lancaster.ac.uk::ee42a82f-7ffb-4da4-9528-a704ef14c0a0" providerId="AD" clId="Web-{8CE1C6CA-D8CA-330E-3512-C3A2841035BA}" dt="2023-07-25T09:40:45.051" v="456" actId="20577"/>
-        <pc:sldMkLst>
-          <pc:docMk/>
-          <pc:sldMk cId="0" sldId="292"/>
-        </pc:sldMkLst>
-        <pc:spChg chg="add del mod">
-          <ac:chgData name="Beesley, Tom" userId="S::beesleyt@lancaster.ac.uk::ee42a82f-7ffb-4da4-9528-a704ef14c0a0" providerId="AD" clId="Web-{8CE1C6CA-D8CA-330E-3512-C3A2841035BA}" dt="2023-07-25T09:40:06.907" v="438"/>
-          <ac:spMkLst>
-            <pc:docMk/>
-            <pc:sldMk cId="0" sldId="292"/>
-            <ac:spMk id="2" creationId="{33355359-4D92-013F-30EF-52C14D9F1708}"/>
-          </ac:spMkLst>
-        </pc:spChg>
-        <pc:spChg chg="mod">
-          <ac:chgData name="Beesley, Tom" userId="S::beesleyt@lancaster.ac.uk::ee42a82f-7ffb-4da4-9528-a704ef14c0a0" providerId="AD" clId="Web-{8CE1C6CA-D8CA-330E-3512-C3A2841035BA}" dt="2023-07-25T09:40:45.051" v="456" actId="20577"/>
-          <ac:spMkLst>
-            <pc:docMk/>
-            <pc:sldMk cId="0" sldId="292"/>
-            <ac:spMk id="5" creationId="{00000000-0000-0000-0000-000000000000}"/>
-          </ac:spMkLst>
-        </pc:spChg>
-      </pc:sldChg>
-      <pc:sldChg chg="modSp">
-        <pc:chgData name="Beesley, Tom" userId="S::beesleyt@lancaster.ac.uk::ee42a82f-7ffb-4da4-9528-a704ef14c0a0" providerId="AD" clId="Web-{8CE1C6CA-D8CA-330E-3512-C3A2841035BA}" dt="2023-07-25T11:49:30.642" v="744" actId="20577"/>
-        <pc:sldMkLst>
-          <pc:docMk/>
-          <pc:sldMk cId="2669918933" sldId="305"/>
-        </pc:sldMkLst>
-        <pc:spChg chg="mod">
-          <ac:chgData name="Beesley, Tom" userId="S::beesleyt@lancaster.ac.uk::ee42a82f-7ffb-4da4-9528-a704ef14c0a0" providerId="AD" clId="Web-{8CE1C6CA-D8CA-330E-3512-C3A2841035BA}" dt="2023-07-25T11:49:30.642" v="744" actId="20577"/>
-          <ac:spMkLst>
-            <pc:docMk/>
-            <pc:sldMk cId="2669918933" sldId="305"/>
-            <ac:spMk id="5" creationId="{00000000-0000-0000-0000-000000000000}"/>
-          </ac:spMkLst>
-        </pc:spChg>
-      </pc:sldChg>
-      <pc:sldChg chg="modSp">
-        <pc:chgData name="Beesley, Tom" userId="S::beesleyt@lancaster.ac.uk::ee42a82f-7ffb-4da4-9528-a704ef14c0a0" providerId="AD" clId="Web-{8CE1C6CA-D8CA-330E-3512-C3A2841035BA}" dt="2023-07-25T11:49:05.656" v="736" actId="20577"/>
-        <pc:sldMkLst>
-          <pc:docMk/>
-          <pc:sldMk cId="2217093505" sldId="312"/>
-        </pc:sldMkLst>
-        <pc:spChg chg="mod">
-          <ac:chgData name="Beesley, Tom" userId="S::beesleyt@lancaster.ac.uk::ee42a82f-7ffb-4da4-9528-a704ef14c0a0" providerId="AD" clId="Web-{8CE1C6CA-D8CA-330E-3512-C3A2841035BA}" dt="2023-07-25T11:49:05.656" v="736" actId="20577"/>
-          <ac:spMkLst>
-            <pc:docMk/>
-            <pc:sldMk cId="2217093505" sldId="312"/>
-            <ac:spMk id="5" creationId="{00000000-0000-0000-0000-000000000000}"/>
-          </ac:spMkLst>
-        </pc:spChg>
-      </pc:sldChg>
-      <pc:sldChg chg="modSp">
-        <pc:chgData name="Beesley, Tom" userId="S::beesleyt@lancaster.ac.uk::ee42a82f-7ffb-4da4-9528-a704ef14c0a0" providerId="AD" clId="Web-{8CE1C6CA-D8CA-330E-3512-C3A2841035BA}" dt="2023-07-25T11:49:26.266" v="742" actId="20577"/>
-        <pc:sldMkLst>
-          <pc:docMk/>
-          <pc:sldMk cId="3726311273" sldId="313"/>
-        </pc:sldMkLst>
-        <pc:spChg chg="mod">
-          <ac:chgData name="Beesley, Tom" userId="S::beesleyt@lancaster.ac.uk::ee42a82f-7ffb-4da4-9528-a704ef14c0a0" providerId="AD" clId="Web-{8CE1C6CA-D8CA-330E-3512-C3A2841035BA}" dt="2023-07-25T11:49:26.266" v="742" actId="20577"/>
-          <ac:spMkLst>
-            <pc:docMk/>
-            <pc:sldMk cId="3726311273" sldId="313"/>
-            <ac:spMk id="5" creationId="{00000000-0000-0000-0000-000000000000}"/>
-          </ac:spMkLst>
-        </pc:spChg>
-      </pc:sldChg>
-      <pc:sldChg chg="addSp delSp modSp new del">
-        <pc:chgData name="Beesley, Tom" userId="S::beesleyt@lancaster.ac.uk::ee42a82f-7ffb-4da4-9528-a704ef14c0a0" providerId="AD" clId="Web-{8CE1C6CA-D8CA-330E-3512-C3A2841035BA}" dt="2023-07-25T09:40:24.221" v="444"/>
-        <pc:sldMkLst>
-          <pc:docMk/>
-          <pc:sldMk cId="1472717231" sldId="314"/>
-        </pc:sldMkLst>
-        <pc:spChg chg="add del mod">
-          <ac:chgData name="Beesley, Tom" userId="S::beesleyt@lancaster.ac.uk::ee42a82f-7ffb-4da4-9528-a704ef14c0a0" providerId="AD" clId="Web-{8CE1C6CA-D8CA-330E-3512-C3A2841035BA}" dt="2023-07-25T09:40:10.626" v="442"/>
-          <ac:spMkLst>
-            <pc:docMk/>
-            <pc:sldMk cId="1472717231" sldId="314"/>
-            <ac:spMk id="4" creationId="{EFB8E9DD-63BF-C05C-30C2-106801D61CD5}"/>
-          </ac:spMkLst>
-        </pc:spChg>
-      </pc:sldChg>
-      <pc:sldChg chg="modSp add replId">
-        <pc:chgData name="Beesley, Tom" userId="S::beesleyt@lancaster.ac.uk::ee42a82f-7ffb-4da4-9528-a704ef14c0a0" providerId="AD" clId="Web-{8CE1C6CA-D8CA-330E-3512-C3A2841035BA}" dt="2023-07-25T09:40:36.988" v="453" actId="14100"/>
-        <pc:sldMkLst>
-          <pc:docMk/>
-          <pc:sldMk cId="3242463746" sldId="315"/>
-        </pc:sldMkLst>
-        <pc:spChg chg="mod">
-          <ac:chgData name="Beesley, Tom" userId="S::beesleyt@lancaster.ac.uk::ee42a82f-7ffb-4da4-9528-a704ef14c0a0" providerId="AD" clId="Web-{8CE1C6CA-D8CA-330E-3512-C3A2841035BA}" dt="2023-07-25T09:40:36.988" v="453" actId="14100"/>
-          <ac:spMkLst>
-            <pc:docMk/>
-            <pc:sldMk cId="3242463746" sldId="315"/>
-            <ac:spMk id="5" creationId="{00000000-0000-0000-0000-000000000000}"/>
-          </ac:spMkLst>
-        </pc:spChg>
-      </pc:sldChg>
-    </pc:docChg>
-  </pc:docChgLst>
-  <pc:docChgLst>
-    <pc:chgData name="Muniz-Diez, Clara" userId="1a81c6c9-8ef1-45fa-9045-8f70227f4ed9" providerId="ADAL" clId="{7094DB20-C68C-4C92-80A9-158FDBE8F194}"/>
-    <pc:docChg chg="modSld sldOrd modSection">
-      <pc:chgData name="Muniz-Diez, Clara" userId="1a81c6c9-8ef1-45fa-9045-8f70227f4ed9" providerId="ADAL" clId="{7094DB20-C68C-4C92-80A9-158FDBE8F194}" dt="2023-07-28T11:23:54.497" v="14" actId="20577"/>
-      <pc:docMkLst>
-        <pc:docMk/>
-      </pc:docMkLst>
-      <pc:sldChg chg="setBg">
-        <pc:chgData name="Muniz-Diez, Clara" userId="1a81c6c9-8ef1-45fa-9045-8f70227f4ed9" providerId="ADAL" clId="{7094DB20-C68C-4C92-80A9-158FDBE8F194}" dt="2023-07-21T14:02:49.023" v="5"/>
-        <pc:sldMkLst>
-          <pc:docMk/>
-          <pc:sldMk cId="0" sldId="292"/>
-        </pc:sldMkLst>
-      </pc:sldChg>
-      <pc:sldChg chg="setBg">
-        <pc:chgData name="Muniz-Diez, Clara" userId="1a81c6c9-8ef1-45fa-9045-8f70227f4ed9" providerId="ADAL" clId="{7094DB20-C68C-4C92-80A9-158FDBE8F194}" dt="2023-07-21T14:02:49.023" v="5"/>
-        <pc:sldMkLst>
-          <pc:docMk/>
-          <pc:sldMk cId="1439089530" sldId="296"/>
-        </pc:sldMkLst>
-      </pc:sldChg>
-      <pc:sldChg chg="setBg">
-        <pc:chgData name="Muniz-Diez, Clara" userId="1a81c6c9-8ef1-45fa-9045-8f70227f4ed9" providerId="ADAL" clId="{7094DB20-C68C-4C92-80A9-158FDBE8F194}" dt="2023-07-21T14:02:49.023" v="5"/>
-        <pc:sldMkLst>
-          <pc:docMk/>
-          <pc:sldMk cId="628964792" sldId="302"/>
-        </pc:sldMkLst>
-      </pc:sldChg>
-      <pc:sldChg chg="setBg">
-        <pc:chgData name="Muniz-Diez, Clara" userId="1a81c6c9-8ef1-45fa-9045-8f70227f4ed9" providerId="ADAL" clId="{7094DB20-C68C-4C92-80A9-158FDBE8F194}" dt="2023-07-21T14:02:49.023" v="5"/>
-        <pc:sldMkLst>
-          <pc:docMk/>
-          <pc:sldMk cId="2669918933" sldId="305"/>
-        </pc:sldMkLst>
-      </pc:sldChg>
-      <pc:sldChg chg="modSp mod ord setBg">
-        <pc:chgData name="Muniz-Diez, Clara" userId="1a81c6c9-8ef1-45fa-9045-8f70227f4ed9" providerId="ADAL" clId="{7094DB20-C68C-4C92-80A9-158FDBE8F194}" dt="2023-07-28T11:21:56.043" v="8" actId="207"/>
-        <pc:sldMkLst>
-          <pc:docMk/>
-          <pc:sldMk cId="166677748" sldId="306"/>
-        </pc:sldMkLst>
-        <pc:spChg chg="mod">
-          <ac:chgData name="Muniz-Diez, Clara" userId="1a81c6c9-8ef1-45fa-9045-8f70227f4ed9" providerId="ADAL" clId="{7094DB20-C68C-4C92-80A9-158FDBE8F194}" dt="2023-07-28T11:21:56.043" v="8" actId="207"/>
-          <ac:spMkLst>
-            <pc:docMk/>
-            <pc:sldMk cId="166677748" sldId="306"/>
-            <ac:spMk id="2" creationId="{FAB005FC-425F-5F94-296B-EAFB873477C2}"/>
-          </ac:spMkLst>
-        </pc:spChg>
-      </pc:sldChg>
-      <pc:sldChg chg="modSp mod ord setBg">
-        <pc:chgData name="Muniz-Diez, Clara" userId="1a81c6c9-8ef1-45fa-9045-8f70227f4ed9" providerId="ADAL" clId="{7094DB20-C68C-4C92-80A9-158FDBE8F194}" dt="2023-07-21T14:02:49.023" v="5"/>
-        <pc:sldMkLst>
-          <pc:docMk/>
-          <pc:sldMk cId="2714683020" sldId="308"/>
-        </pc:sldMkLst>
-        <pc:spChg chg="mod">
-          <ac:chgData name="Muniz-Diez, Clara" userId="1a81c6c9-8ef1-45fa-9045-8f70227f4ed9" providerId="ADAL" clId="{7094DB20-C68C-4C92-80A9-158FDBE8F194}" dt="2023-07-21T14:02:06.250" v="1" actId="20577"/>
-          <ac:spMkLst>
-            <pc:docMk/>
-            <pc:sldMk cId="2714683020" sldId="308"/>
-            <ac:spMk id="5" creationId="{00000000-0000-0000-0000-000000000000}"/>
-          </ac:spMkLst>
-        </pc:spChg>
-      </pc:sldChg>
-      <pc:sldChg chg="ord setBg">
-        <pc:chgData name="Muniz-Diez, Clara" userId="1a81c6c9-8ef1-45fa-9045-8f70227f4ed9" providerId="ADAL" clId="{7094DB20-C68C-4C92-80A9-158FDBE8F194}" dt="2023-07-21T14:02:49.023" v="5"/>
-        <pc:sldMkLst>
-          <pc:docMk/>
-          <pc:sldMk cId="311487248" sldId="309"/>
-        </pc:sldMkLst>
-      </pc:sldChg>
-      <pc:sldChg chg="setBg">
-        <pc:chgData name="Muniz-Diez, Clara" userId="1a81c6c9-8ef1-45fa-9045-8f70227f4ed9" providerId="ADAL" clId="{7094DB20-C68C-4C92-80A9-158FDBE8F194}" dt="2023-07-21T14:02:49.023" v="5"/>
-        <pc:sldMkLst>
-          <pc:docMk/>
-          <pc:sldMk cId="372907557" sldId="310"/>
-        </pc:sldMkLst>
-      </pc:sldChg>
-      <pc:sldChg chg="setBg">
-        <pc:chgData name="Muniz-Diez, Clara" userId="1a81c6c9-8ef1-45fa-9045-8f70227f4ed9" providerId="ADAL" clId="{7094DB20-C68C-4C92-80A9-158FDBE8F194}" dt="2023-07-21T14:02:49.023" v="5"/>
-        <pc:sldMkLst>
-          <pc:docMk/>
-          <pc:sldMk cId="1674996349" sldId="311"/>
-        </pc:sldMkLst>
-      </pc:sldChg>
-      <pc:sldChg chg="modSp mod">
-        <pc:chgData name="Muniz-Diez, Clara" userId="1a81c6c9-8ef1-45fa-9045-8f70227f4ed9" providerId="ADAL" clId="{7094DB20-C68C-4C92-80A9-158FDBE8F194}" dt="2023-07-28T11:23:39.558" v="12" actId="20577"/>
-        <pc:sldMkLst>
-          <pc:docMk/>
-          <pc:sldMk cId="2217093505" sldId="312"/>
-        </pc:sldMkLst>
-        <pc:spChg chg="mod">
-          <ac:chgData name="Muniz-Diez, Clara" userId="1a81c6c9-8ef1-45fa-9045-8f70227f4ed9" providerId="ADAL" clId="{7094DB20-C68C-4C92-80A9-158FDBE8F194}" dt="2023-07-28T11:23:39.558" v="12" actId="20577"/>
-          <ac:spMkLst>
-            <pc:docMk/>
-            <pc:sldMk cId="2217093505" sldId="312"/>
-            <ac:spMk id="2" creationId="{A0FBFD53-51E8-79D1-5BFF-88CE7C895A62}"/>
-          </ac:spMkLst>
-        </pc:spChg>
-      </pc:sldChg>
-      <pc:sldChg chg="modSp mod">
-        <pc:chgData name="Muniz-Diez, Clara" userId="1a81c6c9-8ef1-45fa-9045-8f70227f4ed9" providerId="ADAL" clId="{7094DB20-C68C-4C92-80A9-158FDBE8F194}" dt="2023-07-28T11:23:54.497" v="14" actId="20577"/>
-        <pc:sldMkLst>
-          <pc:docMk/>
-          <pc:sldMk cId="3971898477" sldId="317"/>
-        </pc:sldMkLst>
-        <pc:spChg chg="mod">
-          <ac:chgData name="Muniz-Diez, Clara" userId="1a81c6c9-8ef1-45fa-9045-8f70227f4ed9" providerId="ADAL" clId="{7094DB20-C68C-4C92-80A9-158FDBE8F194}" dt="2023-07-28T11:23:54.497" v="14" actId="20577"/>
-          <ac:spMkLst>
-            <pc:docMk/>
-            <pc:sldMk cId="3971898477" sldId="317"/>
-            <ac:spMk id="2" creationId="{BCB380B4-3C9F-1D6D-0C36-510ADE8383D7}"/>
-          </ac:spMkLst>
-        </pc:spChg>
-      </pc:sldChg>
-    </pc:docChg>
-  </pc:docChgLst>
-  <pc:docChgLst>
-    <pc:chgData name="Muniz-Diez, Clara" userId="1a81c6c9-8ef1-45fa-9045-8f70227f4ed9" providerId="ADAL" clId="{1ED6E396-86BE-4E0D-BA55-7826113B6882}"/>
-    <pc:docChg chg="undo custSel addSld delSld modSld sldOrd">
-      <pc:chgData name="Muniz-Diez, Clara" userId="1a81c6c9-8ef1-45fa-9045-8f70227f4ed9" providerId="ADAL" clId="{1ED6E396-86BE-4E0D-BA55-7826113B6882}" dt="2023-05-23T12:46:31.963" v="257" actId="14100"/>
-      <pc:docMkLst>
-        <pc:docMk/>
-      </pc:docMkLst>
-      <pc:sldChg chg="addSp delSp modSp mod">
-        <pc:chgData name="Muniz-Diez, Clara" userId="1a81c6c9-8ef1-45fa-9045-8f70227f4ed9" providerId="ADAL" clId="{1ED6E396-86BE-4E0D-BA55-7826113B6882}" dt="2023-05-22T08:21:38.895" v="117" actId="478"/>
-        <pc:sldMkLst>
-          <pc:docMk/>
-          <pc:sldMk cId="0" sldId="292"/>
-        </pc:sldMkLst>
-        <pc:spChg chg="add del mod">
-          <ac:chgData name="Muniz-Diez, Clara" userId="1a81c6c9-8ef1-45fa-9045-8f70227f4ed9" providerId="ADAL" clId="{1ED6E396-86BE-4E0D-BA55-7826113B6882}" dt="2023-05-22T08:21:38.895" v="117" actId="478"/>
-          <ac:spMkLst>
-            <pc:docMk/>
-            <pc:sldMk cId="0" sldId="292"/>
-            <ac:spMk id="5" creationId="{00000000-0000-0000-0000-000000000000}"/>
-          </ac:spMkLst>
-        </pc:spChg>
-      </pc:sldChg>
-      <pc:sldChg chg="addSp modSp mod ord setBg">
-        <pc:chgData name="Muniz-Diez, Clara" userId="1a81c6c9-8ef1-45fa-9045-8f70227f4ed9" providerId="ADAL" clId="{1ED6E396-86BE-4E0D-BA55-7826113B6882}" dt="2023-05-23T12:42:11.446" v="245" actId="14100"/>
-        <pc:sldMkLst>
-          <pc:docMk/>
-          <pc:sldMk cId="1439089530" sldId="296"/>
-        </pc:sldMkLst>
-        <pc:spChg chg="add mod">
-          <ac:chgData name="Muniz-Diez, Clara" userId="1a81c6c9-8ef1-45fa-9045-8f70227f4ed9" providerId="ADAL" clId="{1ED6E396-86BE-4E0D-BA55-7826113B6882}" dt="2023-05-22T10:56:47.890" v="206"/>
-          <ac:spMkLst>
-            <pc:docMk/>
-            <pc:sldMk cId="1439089530" sldId="296"/>
-            <ac:spMk id="2" creationId="{72118EB2-AABC-32E2-F9F4-F6B0C1682BF3}"/>
-          </ac:spMkLst>
-        </pc:spChg>
-        <pc:spChg chg="mod">
-          <ac:chgData name="Muniz-Diez, Clara" userId="1a81c6c9-8ef1-45fa-9045-8f70227f4ed9" providerId="ADAL" clId="{1ED6E396-86BE-4E0D-BA55-7826113B6882}" dt="2023-05-23T12:42:11.446" v="245" actId="14100"/>
-          <ac:spMkLst>
-            <pc:docMk/>
-            <pc:sldMk cId="1439089530" sldId="296"/>
-            <ac:spMk id="5" creationId="{00000000-0000-0000-0000-000000000000}"/>
-          </ac:spMkLst>
-        </pc:spChg>
-      </pc:sldChg>
-      <pc:sldChg chg="del">
-        <pc:chgData name="Muniz-Diez, Clara" userId="1a81c6c9-8ef1-45fa-9045-8f70227f4ed9" providerId="ADAL" clId="{1ED6E396-86BE-4E0D-BA55-7826113B6882}" dt="2023-05-22T07:32:16.180" v="53" actId="47"/>
-        <pc:sldMkLst>
-          <pc:docMk/>
-          <pc:sldMk cId="1686543087" sldId="301"/>
-        </pc:sldMkLst>
-      </pc:sldChg>
-      <pc:sldChg chg="modSp mod">
-        <pc:chgData name="Muniz-Diez, Clara" userId="1a81c6c9-8ef1-45fa-9045-8f70227f4ed9" providerId="ADAL" clId="{1ED6E396-86BE-4E0D-BA55-7826113B6882}" dt="2023-05-22T08:20:10.423" v="113" actId="20577"/>
-        <pc:sldMkLst>
-          <pc:docMk/>
-          <pc:sldMk cId="628964792" sldId="302"/>
-        </pc:sldMkLst>
-        <pc:spChg chg="mod">
-          <ac:chgData name="Muniz-Diez, Clara" userId="1a81c6c9-8ef1-45fa-9045-8f70227f4ed9" providerId="ADAL" clId="{1ED6E396-86BE-4E0D-BA55-7826113B6882}" dt="2023-05-22T08:20:10.423" v="113" actId="20577"/>
-          <ac:spMkLst>
-            <pc:docMk/>
-            <pc:sldMk cId="628964792" sldId="302"/>
-            <ac:spMk id="8" creationId="{E6E0ECEA-9D9A-10C0-1FCE-C84BE25D7980}"/>
-          </ac:spMkLst>
-        </pc:spChg>
-      </pc:sldChg>
-      <pc:sldChg chg="addSp delSp modSp add mod">
-        <pc:chgData name="Muniz-Diez, Clara" userId="1a81c6c9-8ef1-45fa-9045-8f70227f4ed9" providerId="ADAL" clId="{1ED6E396-86BE-4E0D-BA55-7826113B6882}" dt="2023-05-22T08:23:24.718" v="124"/>
-        <pc:sldMkLst>
-          <pc:docMk/>
-          <pc:sldMk cId="3644820798" sldId="303"/>
-        </pc:sldMkLst>
-        <pc:spChg chg="add mod">
-          <ac:chgData name="Muniz-Diez, Clara" userId="1a81c6c9-8ef1-45fa-9045-8f70227f4ed9" providerId="ADAL" clId="{1ED6E396-86BE-4E0D-BA55-7826113B6882}" dt="2023-05-22T08:23:24.718" v="124"/>
-          <ac:spMkLst>
-            <pc:docMk/>
-            <pc:sldMk cId="3644820798" sldId="303"/>
-            <ac:spMk id="2" creationId="{AD88E93D-E33B-DE79-C55E-5BF25DBA9360}"/>
-          </ac:spMkLst>
-        </pc:spChg>
-        <pc:spChg chg="del mod">
-          <ac:chgData name="Muniz-Diez, Clara" userId="1a81c6c9-8ef1-45fa-9045-8f70227f4ed9" providerId="ADAL" clId="{1ED6E396-86BE-4E0D-BA55-7826113B6882}" dt="2023-05-22T08:23:13.641" v="123" actId="21"/>
-          <ac:spMkLst>
-            <pc:docMk/>
-            <pc:sldMk cId="3644820798" sldId="303"/>
-            <ac:spMk id="5" creationId="{00000000-0000-0000-0000-000000000000}"/>
-          </ac:spMkLst>
-        </pc:spChg>
-      </pc:sldChg>
-      <pc:sldChg chg="modSp add mod">
-        <pc:chgData name="Muniz-Diez, Clara" userId="1a81c6c9-8ef1-45fa-9045-8f70227f4ed9" providerId="ADAL" clId="{1ED6E396-86BE-4E0D-BA55-7826113B6882}" dt="2023-05-22T08:24:24.413" v="125" actId="14100"/>
-        <pc:sldMkLst>
-          <pc:docMk/>
-          <pc:sldMk cId="1212959382" sldId="304"/>
-        </pc:sldMkLst>
-        <pc:spChg chg="mod">
-          <ac:chgData name="Muniz-Diez, Clara" userId="1a81c6c9-8ef1-45fa-9045-8f70227f4ed9" providerId="ADAL" clId="{1ED6E396-86BE-4E0D-BA55-7826113B6882}" dt="2023-05-22T08:24:24.413" v="125" actId="14100"/>
-          <ac:spMkLst>
-            <pc:docMk/>
-            <pc:sldMk cId="1212959382" sldId="304"/>
-            <ac:spMk id="5" creationId="{00000000-0000-0000-0000-000000000000}"/>
-          </ac:spMkLst>
-        </pc:spChg>
-      </pc:sldChg>
-      <pc:sldChg chg="modSp add mod">
-        <pc:chgData name="Muniz-Diez, Clara" userId="1a81c6c9-8ef1-45fa-9045-8f70227f4ed9" providerId="ADAL" clId="{1ED6E396-86BE-4E0D-BA55-7826113B6882}" dt="2023-05-22T08:24:59.793" v="126" actId="14100"/>
-        <pc:sldMkLst>
-          <pc:docMk/>
-          <pc:sldMk cId="2669918933" sldId="305"/>
-        </pc:sldMkLst>
-        <pc:spChg chg="mod">
-          <ac:chgData name="Muniz-Diez, Clara" userId="1a81c6c9-8ef1-45fa-9045-8f70227f4ed9" providerId="ADAL" clId="{1ED6E396-86BE-4E0D-BA55-7826113B6882}" dt="2023-05-22T08:24:59.793" v="126" actId="14100"/>
-          <ac:spMkLst>
-            <pc:docMk/>
-            <pc:sldMk cId="2669918933" sldId="305"/>
-            <ac:spMk id="5" creationId="{00000000-0000-0000-0000-000000000000}"/>
-          </ac:spMkLst>
-        </pc:spChg>
-      </pc:sldChg>
-      <pc:sldChg chg="modSp add mod">
-        <pc:chgData name="Muniz-Diez, Clara" userId="1a81c6c9-8ef1-45fa-9045-8f70227f4ed9" providerId="ADAL" clId="{1ED6E396-86BE-4E0D-BA55-7826113B6882}" dt="2023-05-22T10:28:50.969" v="164" actId="14100"/>
-        <pc:sldMkLst>
-          <pc:docMk/>
-          <pc:sldMk cId="166677748" sldId="306"/>
-        </pc:sldMkLst>
-        <pc:spChg chg="mod">
-          <ac:chgData name="Muniz-Diez, Clara" userId="1a81c6c9-8ef1-45fa-9045-8f70227f4ed9" providerId="ADAL" clId="{1ED6E396-86BE-4E0D-BA55-7826113B6882}" dt="2023-05-22T10:28:50.969" v="164" actId="14100"/>
-          <ac:spMkLst>
-            <pc:docMk/>
-            <pc:sldMk cId="166677748" sldId="306"/>
-            <ac:spMk id="5" creationId="{00000000-0000-0000-0000-000000000000}"/>
-          </ac:spMkLst>
-        </pc:spChg>
-      </pc:sldChg>
-      <pc:sldChg chg="add del ord">
-        <pc:chgData name="Muniz-Diez, Clara" userId="1a81c6c9-8ef1-45fa-9045-8f70227f4ed9" providerId="ADAL" clId="{1ED6E396-86BE-4E0D-BA55-7826113B6882}" dt="2023-05-22T10:22:54.587" v="130" actId="47"/>
-        <pc:sldMkLst>
-          <pc:docMk/>
-          <pc:sldMk cId="3617176634" sldId="306"/>
-        </pc:sldMkLst>
-      </pc:sldChg>
-      <pc:sldChg chg="modSp add mod">
-        <pc:chgData name="Muniz-Diez, Clara" userId="1a81c6c9-8ef1-45fa-9045-8f70227f4ed9" providerId="ADAL" clId="{1ED6E396-86BE-4E0D-BA55-7826113B6882}" dt="2023-05-22T10:28:56.027" v="165" actId="20577"/>
-        <pc:sldMkLst>
-          <pc:docMk/>
-          <pc:sldMk cId="3981952078" sldId="307"/>
-        </pc:sldMkLst>
-        <pc:spChg chg="mod">
-          <ac:chgData name="Muniz-Diez, Clara" userId="1a81c6c9-8ef1-45fa-9045-8f70227f4ed9" providerId="ADAL" clId="{1ED6E396-86BE-4E0D-BA55-7826113B6882}" dt="2023-05-22T10:28:56.027" v="165" actId="20577"/>
-          <ac:spMkLst>
-            <pc:docMk/>
-            <pc:sldMk cId="3981952078" sldId="307"/>
-            <ac:spMk id="5" creationId="{00000000-0000-0000-0000-000000000000}"/>
-          </ac:spMkLst>
-        </pc:spChg>
-      </pc:sldChg>
-      <pc:sldChg chg="modSp add mod">
-        <pc:chgData name="Muniz-Diez, Clara" userId="1a81c6c9-8ef1-45fa-9045-8f70227f4ed9" providerId="ADAL" clId="{1ED6E396-86BE-4E0D-BA55-7826113B6882}" dt="2023-05-22T10:30:37.119" v="178" actId="14100"/>
-        <pc:sldMkLst>
-          <pc:docMk/>
-          <pc:sldMk cId="2714683020" sldId="308"/>
-        </pc:sldMkLst>
-        <pc:spChg chg="mod">
-          <ac:chgData name="Muniz-Diez, Clara" userId="1a81c6c9-8ef1-45fa-9045-8f70227f4ed9" providerId="ADAL" clId="{1ED6E396-86BE-4E0D-BA55-7826113B6882}" dt="2023-05-22T10:30:37.119" v="178" actId="14100"/>
-          <ac:spMkLst>
-            <pc:docMk/>
-            <pc:sldMk cId="2714683020" sldId="308"/>
-            <ac:spMk id="5" creationId="{00000000-0000-0000-0000-000000000000}"/>
-          </ac:spMkLst>
-        </pc:spChg>
-      </pc:sldChg>
-      <pc:sldChg chg="modSp add mod">
-        <pc:chgData name="Muniz-Diez, Clara" userId="1a81c6c9-8ef1-45fa-9045-8f70227f4ed9" providerId="ADAL" clId="{1ED6E396-86BE-4E0D-BA55-7826113B6882}" dt="2023-05-22T10:38:18.432" v="202" actId="20577"/>
-        <pc:sldMkLst>
-          <pc:docMk/>
-          <pc:sldMk cId="311487248" sldId="309"/>
-        </pc:sldMkLst>
-        <pc:spChg chg="mod">
-          <ac:chgData name="Muniz-Diez, Clara" userId="1a81c6c9-8ef1-45fa-9045-8f70227f4ed9" providerId="ADAL" clId="{1ED6E396-86BE-4E0D-BA55-7826113B6882}" dt="2023-05-22T10:38:18.432" v="202" actId="20577"/>
-          <ac:spMkLst>
-            <pc:docMk/>
-            <pc:sldMk cId="311487248" sldId="309"/>
-            <ac:spMk id="5" creationId="{00000000-0000-0000-0000-000000000000}"/>
-          </ac:spMkLst>
-        </pc:spChg>
-      </pc:sldChg>
-      <pc:sldChg chg="modSp add mod">
-        <pc:chgData name="Muniz-Diez, Clara" userId="1a81c6c9-8ef1-45fa-9045-8f70227f4ed9" providerId="ADAL" clId="{1ED6E396-86BE-4E0D-BA55-7826113B6882}" dt="2023-05-23T12:42:57.231" v="247" actId="14100"/>
-        <pc:sldMkLst>
-          <pc:docMk/>
-          <pc:sldMk cId="372907557" sldId="310"/>
-        </pc:sldMkLst>
-        <pc:spChg chg="mod">
-          <ac:chgData name="Muniz-Diez, Clara" userId="1a81c6c9-8ef1-45fa-9045-8f70227f4ed9" providerId="ADAL" clId="{1ED6E396-86BE-4E0D-BA55-7826113B6882}" dt="2023-05-23T12:42:57.231" v="247" actId="14100"/>
-          <ac:spMkLst>
-            <pc:docMk/>
-            <pc:sldMk cId="372907557" sldId="310"/>
-            <ac:spMk id="5" creationId="{00000000-0000-0000-0000-000000000000}"/>
-          </ac:spMkLst>
-        </pc:spChg>
-      </pc:sldChg>
-      <pc:sldChg chg="addSp delSp modSp add mod">
-        <pc:chgData name="Muniz-Diez, Clara" userId="1a81c6c9-8ef1-45fa-9045-8f70227f4ed9" providerId="ADAL" clId="{1ED6E396-86BE-4E0D-BA55-7826113B6882}" dt="2023-05-23T12:46:31.963" v="257" actId="14100"/>
-        <pc:sldMkLst>
-          <pc:docMk/>
-          <pc:sldMk cId="1674996349" sldId="311"/>
-        </pc:sldMkLst>
-        <pc:spChg chg="add del mod">
-          <ac:chgData name="Muniz-Diez, Clara" userId="1a81c6c9-8ef1-45fa-9045-8f70227f4ed9" providerId="ADAL" clId="{1ED6E396-86BE-4E0D-BA55-7826113B6882}" dt="2023-05-23T12:45:19.687" v="250"/>
-          <ac:spMkLst>
-            <pc:docMk/>
-            <pc:sldMk cId="1674996349" sldId="311"/>
-            <ac:spMk id="2" creationId="{537038F0-C528-6C6B-611D-5DB4A5E86075}"/>
-          </ac:spMkLst>
-        </pc:spChg>
-        <pc:spChg chg="mod">
-          <ac:chgData name="Muniz-Diez, Clara" userId="1a81c6c9-8ef1-45fa-9045-8f70227f4ed9" providerId="ADAL" clId="{1ED6E396-86BE-4E0D-BA55-7826113B6882}" dt="2023-05-23T12:46:31.963" v="257" actId="14100"/>
-          <ac:spMkLst>
-            <pc:docMk/>
-            <pc:sldMk cId="1674996349" sldId="311"/>
-            <ac:spMk id="5" creationId="{00000000-0000-0000-0000-000000000000}"/>
-          </ac:spMkLst>
-        </pc:spChg>
-      </pc:sldChg>
-    </pc:docChg>
-  </pc:docChgLst>
-  <pc:docChgLst>
-    <pc:chgData name="Muniz-Diez, Clara" userId="1a81c6c9-8ef1-45fa-9045-8f70227f4ed9" providerId="ADAL" clId="{4FC96EDA-96C8-405F-9165-F8E38B4F981A}"/>
-    <pc:docChg chg="undo custSel delSld modSld sldOrd addSection modSection">
-      <pc:chgData name="Muniz-Diez, Clara" userId="1a81c6c9-8ef1-45fa-9045-8f70227f4ed9" providerId="ADAL" clId="{4FC96EDA-96C8-405F-9165-F8E38B4F981A}" dt="2023-06-01T08:58:37.395" v="484" actId="47"/>
-      <pc:docMkLst>
-        <pc:docMk/>
-      </pc:docMkLst>
-      <pc:sldChg chg="del">
-        <pc:chgData name="Muniz-Diez, Clara" userId="1a81c6c9-8ef1-45fa-9045-8f70227f4ed9" providerId="ADAL" clId="{4FC96EDA-96C8-405F-9165-F8E38B4F981A}" dt="2023-06-01T08:58:37.395" v="484" actId="47"/>
-        <pc:sldMkLst>
-          <pc:docMk/>
-          <pc:sldMk cId="0" sldId="280"/>
-        </pc:sldMkLst>
-      </pc:sldChg>
-      <pc:sldChg chg="del">
-        <pc:chgData name="Muniz-Diez, Clara" userId="1a81c6c9-8ef1-45fa-9045-8f70227f4ed9" providerId="ADAL" clId="{4FC96EDA-96C8-405F-9165-F8E38B4F981A}" dt="2023-06-01T08:58:35.872" v="483" actId="47"/>
-        <pc:sldMkLst>
-          <pc:docMk/>
-          <pc:sldMk cId="0" sldId="282"/>
-        </pc:sldMkLst>
-      </pc:sldChg>
-      <pc:sldChg chg="del">
-        <pc:chgData name="Muniz-Diez, Clara" userId="1a81c6c9-8ef1-45fa-9045-8f70227f4ed9" providerId="ADAL" clId="{4FC96EDA-96C8-405F-9165-F8E38B4F981A}" dt="2023-06-01T08:58:34.966" v="482" actId="47"/>
-        <pc:sldMkLst>
-          <pc:docMk/>
-          <pc:sldMk cId="1891066312" sldId="294"/>
-        </pc:sldMkLst>
-      </pc:sldChg>
-      <pc:sldChg chg="modSp mod">
-        <pc:chgData name="Muniz-Diez, Clara" userId="1a81c6c9-8ef1-45fa-9045-8f70227f4ed9" providerId="ADAL" clId="{4FC96EDA-96C8-405F-9165-F8E38B4F981A}" dt="2023-06-01T08:55:53.248" v="477" actId="20577"/>
-        <pc:sldMkLst>
-          <pc:docMk/>
-          <pc:sldMk cId="1439089530" sldId="296"/>
-        </pc:sldMkLst>
-        <pc:spChg chg="mod">
-          <ac:chgData name="Muniz-Diez, Clara" userId="1a81c6c9-8ef1-45fa-9045-8f70227f4ed9" providerId="ADAL" clId="{4FC96EDA-96C8-405F-9165-F8E38B4F981A}" dt="2023-06-01T08:55:53.248" v="477" actId="20577"/>
-          <ac:spMkLst>
-            <pc:docMk/>
-            <pc:sldMk cId="1439089530" sldId="296"/>
-            <ac:spMk id="5" creationId="{00000000-0000-0000-0000-000000000000}"/>
-          </ac:spMkLst>
-        </pc:spChg>
-      </pc:sldChg>
-      <pc:sldChg chg="del">
-        <pc:chgData name="Muniz-Diez, Clara" userId="1a81c6c9-8ef1-45fa-9045-8f70227f4ed9" providerId="ADAL" clId="{4FC96EDA-96C8-405F-9165-F8E38B4F981A}" dt="2023-06-01T08:58:32.394" v="480" actId="47"/>
-        <pc:sldMkLst>
-          <pc:docMk/>
-          <pc:sldMk cId="4970144" sldId="298"/>
-        </pc:sldMkLst>
-      </pc:sldChg>
-      <pc:sldChg chg="del">
-        <pc:chgData name="Muniz-Diez, Clara" userId="1a81c6c9-8ef1-45fa-9045-8f70227f4ed9" providerId="ADAL" clId="{4FC96EDA-96C8-405F-9165-F8E38B4F981A}" dt="2023-06-01T08:58:33.554" v="481" actId="47"/>
-        <pc:sldMkLst>
-          <pc:docMk/>
-          <pc:sldMk cId="1323664499" sldId="299"/>
-        </pc:sldMkLst>
-      </pc:sldChg>
-      <pc:sldChg chg="del">
-        <pc:chgData name="Muniz-Diez, Clara" userId="1a81c6c9-8ef1-45fa-9045-8f70227f4ed9" providerId="ADAL" clId="{4FC96EDA-96C8-405F-9165-F8E38B4F981A}" dt="2023-06-01T08:58:30.873" v="479" actId="47"/>
-        <pc:sldMkLst>
-          <pc:docMk/>
-          <pc:sldMk cId="893441816" sldId="300"/>
-        </pc:sldMkLst>
-      </pc:sldChg>
-      <pc:sldChg chg="modSp mod">
-        <pc:chgData name="Muniz-Diez, Clara" userId="1a81c6c9-8ef1-45fa-9045-8f70227f4ed9" providerId="ADAL" clId="{4FC96EDA-96C8-405F-9165-F8E38B4F981A}" dt="2023-06-01T08:52:26.159" v="125" actId="20577"/>
-        <pc:sldMkLst>
-          <pc:docMk/>
-          <pc:sldMk cId="2669918933" sldId="305"/>
-        </pc:sldMkLst>
-        <pc:spChg chg="mod">
-          <ac:chgData name="Muniz-Diez, Clara" userId="1a81c6c9-8ef1-45fa-9045-8f70227f4ed9" providerId="ADAL" clId="{4FC96EDA-96C8-405F-9165-F8E38B4F981A}" dt="2023-06-01T08:52:26.159" v="125" actId="20577"/>
-          <ac:spMkLst>
-            <pc:docMk/>
-            <pc:sldMk cId="2669918933" sldId="305"/>
-            <ac:spMk id="5" creationId="{00000000-0000-0000-0000-000000000000}"/>
-          </ac:spMkLst>
-        </pc:spChg>
-      </pc:sldChg>
-      <pc:sldChg chg="modSp mod ord">
-        <pc:chgData name="Muniz-Diez, Clara" userId="1a81c6c9-8ef1-45fa-9045-8f70227f4ed9" providerId="ADAL" clId="{4FC96EDA-96C8-405F-9165-F8E38B4F981A}" dt="2023-06-01T08:42:48.852" v="114" actId="6549"/>
-        <pc:sldMkLst>
-          <pc:docMk/>
-          <pc:sldMk cId="166677748" sldId="306"/>
-        </pc:sldMkLst>
-        <pc:spChg chg="mod">
-          <ac:chgData name="Muniz-Diez, Clara" userId="1a81c6c9-8ef1-45fa-9045-8f70227f4ed9" providerId="ADAL" clId="{4FC96EDA-96C8-405F-9165-F8E38B4F981A}" dt="2023-06-01T08:42:48.852" v="114" actId="6549"/>
-          <ac:spMkLst>
-            <pc:docMk/>
-            <pc:sldMk cId="166677748" sldId="306"/>
-            <ac:spMk id="5" creationId="{00000000-0000-0000-0000-000000000000}"/>
-          </ac:spMkLst>
-        </pc:spChg>
-      </pc:sldChg>
-      <pc:sldChg chg="modSp del mod ord">
-        <pc:chgData name="Muniz-Diez, Clara" userId="1a81c6c9-8ef1-45fa-9045-8f70227f4ed9" providerId="ADAL" clId="{4FC96EDA-96C8-405F-9165-F8E38B4F981A}" dt="2023-06-01T08:42:55.620" v="115" actId="47"/>
-        <pc:sldMkLst>
-          <pc:docMk/>
-          <pc:sldMk cId="3981952078" sldId="307"/>
-        </pc:sldMkLst>
-        <pc:spChg chg="mod">
-          <ac:chgData name="Muniz-Diez, Clara" userId="1a81c6c9-8ef1-45fa-9045-8f70227f4ed9" providerId="ADAL" clId="{4FC96EDA-96C8-405F-9165-F8E38B4F981A}" dt="2023-06-01T08:40:51.052" v="53" actId="20577"/>
-          <ac:spMkLst>
-            <pc:docMk/>
-            <pc:sldMk cId="3981952078" sldId="307"/>
-            <ac:spMk id="5" creationId="{00000000-0000-0000-0000-000000000000}"/>
-          </ac:spMkLst>
-        </pc:spChg>
-      </pc:sldChg>
-      <pc:sldChg chg="modSp mod ord">
-        <pc:chgData name="Muniz-Diez, Clara" userId="1a81c6c9-8ef1-45fa-9045-8f70227f4ed9" providerId="ADAL" clId="{4FC96EDA-96C8-405F-9165-F8E38B4F981A}" dt="2023-06-01T08:41:25.766" v="68" actId="20577"/>
-        <pc:sldMkLst>
-          <pc:docMk/>
-          <pc:sldMk cId="2714683020" sldId="308"/>
-        </pc:sldMkLst>
-        <pc:spChg chg="mod">
-          <ac:chgData name="Muniz-Diez, Clara" userId="1a81c6c9-8ef1-45fa-9045-8f70227f4ed9" providerId="ADAL" clId="{4FC96EDA-96C8-405F-9165-F8E38B4F981A}" dt="2023-06-01T08:41:25.766" v="68" actId="20577"/>
-          <ac:spMkLst>
-            <pc:docMk/>
-            <pc:sldMk cId="2714683020" sldId="308"/>
-            <ac:spMk id="5" creationId="{00000000-0000-0000-0000-000000000000}"/>
-          </ac:spMkLst>
-        </pc:spChg>
-      </pc:sldChg>
-      <pc:sldChg chg="modSp mod ord">
-        <pc:chgData name="Muniz-Diez, Clara" userId="1a81c6c9-8ef1-45fa-9045-8f70227f4ed9" providerId="ADAL" clId="{4FC96EDA-96C8-405F-9165-F8E38B4F981A}" dt="2023-06-01T08:42:04.710" v="104" actId="20577"/>
-        <pc:sldMkLst>
-          <pc:docMk/>
-          <pc:sldMk cId="311487248" sldId="309"/>
-        </pc:sldMkLst>
-        <pc:spChg chg="mod">
-          <ac:chgData name="Muniz-Diez, Clara" userId="1a81c6c9-8ef1-45fa-9045-8f70227f4ed9" providerId="ADAL" clId="{4FC96EDA-96C8-405F-9165-F8E38B4F981A}" dt="2023-06-01T08:42:04.710" v="104" actId="20577"/>
-          <ac:spMkLst>
-            <pc:docMk/>
-            <pc:sldMk cId="311487248" sldId="309"/>
-            <ac:spMk id="5" creationId="{00000000-0000-0000-0000-000000000000}"/>
-          </ac:spMkLst>
-        </pc:spChg>
-      </pc:sldChg>
-      <pc:sldChg chg="modSp mod">
-        <pc:chgData name="Muniz-Diez, Clara" userId="1a81c6c9-8ef1-45fa-9045-8f70227f4ed9" providerId="ADAL" clId="{4FC96EDA-96C8-405F-9165-F8E38B4F981A}" dt="2023-06-01T08:56:20.928" v="478" actId="20577"/>
-        <pc:sldMkLst>
-          <pc:docMk/>
-          <pc:sldMk cId="372907557" sldId="310"/>
-        </pc:sldMkLst>
-        <pc:spChg chg="mod">
-          <ac:chgData name="Muniz-Diez, Clara" userId="1a81c6c9-8ef1-45fa-9045-8f70227f4ed9" providerId="ADAL" clId="{4FC96EDA-96C8-405F-9165-F8E38B4F981A}" dt="2023-06-01T08:56:20.928" v="478" actId="20577"/>
-          <ac:spMkLst>
-            <pc:docMk/>
-            <pc:sldMk cId="372907557" sldId="310"/>
-            <ac:spMk id="5" creationId="{00000000-0000-0000-0000-000000000000}"/>
-          </ac:spMkLst>
-        </pc:spChg>
-      </pc:sldChg>
-    </pc:docChg>
-  </pc:docChgLst>
 </pc:chgInfo>
 </file>
 
@@ -1539,7 +1578,7 @@
           <a:p>
             <a:fld id="{252F094F-DCC0-9241-BDBF-9F4129FBD7AB}" type="datetimeFigureOut">
               <a:rPr lang="en-US" smtClean="0"/>
-              <a:t>9/25/2023</a:t>
+              <a:t>11/30/2023</a:t>
             </a:fld>
             <a:endParaRPr lang="en-US"/>
           </a:p>
@@ -3087,7 +3126,7 @@
           <a:p>
             <a:fld id="{0002DDC5-7EBB-47AC-BFF5-8E257E6BF8C7}" type="datetimeFigureOut">
               <a:rPr lang="en-AU" smtClean="0"/>
-              <a:t>25/09/2023</a:t>
+              <a:t>30/11/2023</a:t>
             </a:fld>
             <a:endParaRPr lang="en-AU"/>
           </a:p>
@@ -3255,7 +3294,7 @@
           <a:p>
             <a:fld id="{0002DDC5-7EBB-47AC-BFF5-8E257E6BF8C7}" type="datetimeFigureOut">
               <a:rPr lang="en-AU" smtClean="0"/>
-              <a:t>25/09/2023</a:t>
+              <a:t>30/11/2023</a:t>
             </a:fld>
             <a:endParaRPr lang="en-AU"/>
           </a:p>
@@ -3433,7 +3472,7 @@
           <a:p>
             <a:fld id="{0002DDC5-7EBB-47AC-BFF5-8E257E6BF8C7}" type="datetimeFigureOut">
               <a:rPr lang="en-AU" smtClean="0"/>
-              <a:t>25/09/2023</a:t>
+              <a:t>30/11/2023</a:t>
             </a:fld>
             <a:endParaRPr lang="en-AU"/>
           </a:p>
@@ -3601,7 +3640,7 @@
           <a:p>
             <a:fld id="{0002DDC5-7EBB-47AC-BFF5-8E257E6BF8C7}" type="datetimeFigureOut">
               <a:rPr lang="en-AU" smtClean="0"/>
-              <a:t>25/09/2023</a:t>
+              <a:t>30/11/2023</a:t>
             </a:fld>
             <a:endParaRPr lang="en-AU"/>
           </a:p>
@@ -3846,7 +3885,7 @@
           <a:p>
             <a:fld id="{0002DDC5-7EBB-47AC-BFF5-8E257E6BF8C7}" type="datetimeFigureOut">
               <a:rPr lang="en-AU" smtClean="0"/>
-              <a:t>25/09/2023</a:t>
+              <a:t>30/11/2023</a:t>
             </a:fld>
             <a:endParaRPr lang="en-AU"/>
           </a:p>
@@ -4075,7 +4114,7 @@
           <a:p>
             <a:fld id="{0002DDC5-7EBB-47AC-BFF5-8E257E6BF8C7}" type="datetimeFigureOut">
               <a:rPr lang="en-AU" smtClean="0"/>
-              <a:t>25/09/2023</a:t>
+              <a:t>30/11/2023</a:t>
             </a:fld>
             <a:endParaRPr lang="en-AU"/>
           </a:p>
@@ -4439,7 +4478,7 @@
           <a:p>
             <a:fld id="{0002DDC5-7EBB-47AC-BFF5-8E257E6BF8C7}" type="datetimeFigureOut">
               <a:rPr lang="en-AU" smtClean="0"/>
-              <a:t>25/09/2023</a:t>
+              <a:t>30/11/2023</a:t>
             </a:fld>
             <a:endParaRPr lang="en-AU"/>
           </a:p>
@@ -4556,7 +4595,7 @@
           <a:p>
             <a:fld id="{0002DDC5-7EBB-47AC-BFF5-8E257E6BF8C7}" type="datetimeFigureOut">
               <a:rPr lang="en-AU" smtClean="0"/>
-              <a:t>25/09/2023</a:t>
+              <a:t>30/11/2023</a:t>
             </a:fld>
             <a:endParaRPr lang="en-AU"/>
           </a:p>
@@ -4651,7 +4690,7 @@
           <a:p>
             <a:fld id="{0002DDC5-7EBB-47AC-BFF5-8E257E6BF8C7}" type="datetimeFigureOut">
               <a:rPr lang="en-AU" smtClean="0"/>
-              <a:t>25/09/2023</a:t>
+              <a:t>30/11/2023</a:t>
             </a:fld>
             <a:endParaRPr lang="en-AU"/>
           </a:p>
@@ -4926,7 +4965,7 @@
           <a:p>
             <a:fld id="{0002DDC5-7EBB-47AC-BFF5-8E257E6BF8C7}" type="datetimeFigureOut">
               <a:rPr lang="en-AU" smtClean="0"/>
-              <a:t>25/09/2023</a:t>
+              <a:t>30/11/2023</a:t>
             </a:fld>
             <a:endParaRPr lang="en-AU"/>
           </a:p>
@@ -5181,7 +5220,7 @@
           <a:p>
             <a:fld id="{0002DDC5-7EBB-47AC-BFF5-8E257E6BF8C7}" type="datetimeFigureOut">
               <a:rPr lang="en-AU" smtClean="0"/>
-              <a:t>25/09/2023</a:t>
+              <a:t>30/11/2023</a:t>
             </a:fld>
             <a:endParaRPr lang="en-AU"/>
           </a:p>
@@ -5392,7 +5431,7 @@
           <a:p>
             <a:fld id="{0002DDC5-7EBB-47AC-BFF5-8E257E6BF8C7}" type="datetimeFigureOut">
               <a:rPr lang="en-AU" smtClean="0"/>
-              <a:t>25/09/2023</a:t>
+              <a:t>30/11/2023</a:t>
             </a:fld>
             <a:endParaRPr lang="en-AU"/>
           </a:p>
@@ -5924,7 +5963,7 @@
                   <a:schemeClr val="bg1"/>
                 </a:solidFill>
               </a:rPr>
-              <a:t>The experiment will last approximately 20 minutes for which you will be compensated with £2.70. This study uses a task with visual cue stimuli that will be presented on the screen. You will be asked to make a series of responses on each of the trials and performance feedback will be provided after each trial.  </a:t>
+              <a:t>The experiment will last approximately 25 minutes for which you will be compensated with £3.40. This study uses a task with visual cue stimuli that will be presented on the screen. You will be asked to make a series of responses on each of the trials and performance feedback will be provided after each trial.  </a:t>
             </a:r>
           </a:p>
           <a:p>
@@ -7978,7 +8017,23 @@
                   <a:schemeClr val="bg1"/>
                 </a:solidFill>
               </a:rPr>
-              <a:t>This task takes about </a:t>
+              <a:t>This task takes </a:t>
+            </a:r>
+            <a:r>
+              <a:rPr lang="en-US" sz="6200">
+                <a:solidFill>
+                  <a:schemeClr val="bg1"/>
+                </a:solidFill>
+              </a:rPr>
+              <a:t>about </a:t>
+            </a:r>
+            <a:r>
+              <a:rPr lang="en-US" sz="6200" b="1">
+                <a:solidFill>
+                  <a:srgbClr val="FFFF00"/>
+                </a:solidFill>
+              </a:rPr>
+              <a:t>15 </a:t>
             </a:r>
             <a:r>
               <a:rPr lang="en-US" sz="6200" b="1" dirty="0">
@@ -7986,7 +8041,7 @@
                   <a:srgbClr val="FFFF00"/>
                 </a:solidFill>
               </a:rPr>
-              <a:t>10 minutes</a:t>
+              <a:t>minutes</a:t>
             </a:r>
             <a:r>
               <a:rPr lang="en-US" sz="6200" dirty="0">
